--- a/문서/Unity SQLite 연동 가이드.pptx
+++ b/문서/Unity SQLite 연동 가이드.pptx
@@ -9,10 +9,17 @@
     <p:sldId id="257" r:id="rId3"/>
     <p:sldId id="258" r:id="rId4"/>
     <p:sldId id="259" r:id="rId5"/>
-    <p:sldId id="260" r:id="rId6"/>
-    <p:sldId id="261" r:id="rId7"/>
-    <p:sldId id="262" r:id="rId8"/>
-    <p:sldId id="263" r:id="rId9"/>
+    <p:sldId id="261" r:id="rId6"/>
+    <p:sldId id="262" r:id="rId7"/>
+    <p:sldId id="263" r:id="rId8"/>
+    <p:sldId id="264" r:id="rId9"/>
+    <p:sldId id="265" r:id="rId10"/>
+    <p:sldId id="266" r:id="rId11"/>
+    <p:sldId id="267" r:id="rId12"/>
+    <p:sldId id="268" r:id="rId13"/>
+    <p:sldId id="269" r:id="rId14"/>
+    <p:sldId id="270" r:id="rId15"/>
+    <p:sldId id="271" r:id="rId16"/>
   </p:sldIdLst>
   <p:sldSz cx="12192000" cy="6858000"/>
   <p:notesSz cx="6858000" cy="9144000"/>
@@ -111,6 +118,11 @@
       </a:defRPr>
     </a:lvl9pPr>
   </p:defaultTextStyle>
+  <p:extLst>
+    <p:ext uri="{EFAFB233-063F-42B5-8137-9DF3F51BA10A}">
+      <p15:sldGuideLst xmlns:p15="http://schemas.microsoft.com/office/powerpoint/2012/main"/>
+    </p:ext>
+  </p:extLst>
 </p:presentation>
 </file>
 
@@ -310,7 +322,7 @@
           <a:p>
             <a:fld id="{82917204-2A6F-448B-87AF-8C42704A3CD0}" type="datetimeFigureOut">
               <a:rPr lang="ko-KR" altLang="en-US" smtClean="0"/>
-              <a:t>2024-04-12</a:t>
+              <a:t>2024-04-13</a:t>
             </a:fld>
             <a:endParaRPr lang="ko-KR" altLang="en-US"/>
           </a:p>
@@ -531,7 +543,7 @@
           <a:p>
             <a:fld id="{82917204-2A6F-448B-87AF-8C42704A3CD0}" type="datetimeFigureOut">
               <a:rPr lang="ko-KR" altLang="en-US" smtClean="0"/>
-              <a:t>2024-04-12</a:t>
+              <a:t>2024-04-13</a:t>
             </a:fld>
             <a:endParaRPr lang="ko-KR" altLang="en-US"/>
           </a:p>
@@ -711,7 +723,7 @@
           <a:p>
             <a:fld id="{82917204-2A6F-448B-87AF-8C42704A3CD0}" type="datetimeFigureOut">
               <a:rPr lang="ko-KR" altLang="en-US" smtClean="0"/>
-              <a:t>2024-04-12</a:t>
+              <a:t>2024-04-13</a:t>
             </a:fld>
             <a:endParaRPr lang="ko-KR" altLang="en-US"/>
           </a:p>
@@ -881,7 +893,7 @@
           <a:p>
             <a:fld id="{82917204-2A6F-448B-87AF-8C42704A3CD0}" type="datetimeFigureOut">
               <a:rPr lang="ko-KR" altLang="en-US" smtClean="0"/>
-              <a:t>2024-04-12</a:t>
+              <a:t>2024-04-13</a:t>
             </a:fld>
             <a:endParaRPr lang="ko-KR" altLang="en-US"/>
           </a:p>
@@ -1132,7 +1144,7 @@
           <a:p>
             <a:fld id="{82917204-2A6F-448B-87AF-8C42704A3CD0}" type="datetimeFigureOut">
               <a:rPr lang="ko-KR" altLang="en-US" smtClean="0"/>
-              <a:t>2024-04-12</a:t>
+              <a:t>2024-04-13</a:t>
             </a:fld>
             <a:endParaRPr lang="ko-KR" altLang="en-US"/>
           </a:p>
@@ -1455,7 +1467,7 @@
           <a:p>
             <a:fld id="{82917204-2A6F-448B-87AF-8C42704A3CD0}" type="datetimeFigureOut">
               <a:rPr lang="ko-KR" altLang="en-US" smtClean="0"/>
-              <a:t>2024-04-12</a:t>
+              <a:t>2024-04-13</a:t>
             </a:fld>
             <a:endParaRPr lang="ko-KR" altLang="en-US"/>
           </a:p>
@@ -1879,7 +1891,7 @@
           <a:p>
             <a:fld id="{82917204-2A6F-448B-87AF-8C42704A3CD0}" type="datetimeFigureOut">
               <a:rPr lang="ko-KR" altLang="en-US" smtClean="0"/>
-              <a:t>2024-04-12</a:t>
+              <a:t>2024-04-13</a:t>
             </a:fld>
             <a:endParaRPr lang="ko-KR" altLang="en-US"/>
           </a:p>
@@ -1997,7 +2009,7 @@
           <a:p>
             <a:fld id="{82917204-2A6F-448B-87AF-8C42704A3CD0}" type="datetimeFigureOut">
               <a:rPr lang="ko-KR" altLang="en-US" smtClean="0"/>
-              <a:t>2024-04-12</a:t>
+              <a:t>2024-04-13</a:t>
             </a:fld>
             <a:endParaRPr lang="ko-KR" altLang="en-US"/>
           </a:p>
@@ -2092,7 +2104,7 @@
           <a:p>
             <a:fld id="{82917204-2A6F-448B-87AF-8C42704A3CD0}" type="datetimeFigureOut">
               <a:rPr lang="ko-KR" altLang="en-US" smtClean="0"/>
-              <a:t>2024-04-12</a:t>
+              <a:t>2024-04-13</a:t>
             </a:fld>
             <a:endParaRPr lang="ko-KR" altLang="en-US"/>
           </a:p>
@@ -2382,7 +2394,7 @@
           <a:p>
             <a:fld id="{82917204-2A6F-448B-87AF-8C42704A3CD0}" type="datetimeFigureOut">
               <a:rPr lang="ko-KR" altLang="en-US" smtClean="0"/>
-              <a:t>2024-04-12</a:t>
+              <a:t>2024-04-13</a:t>
             </a:fld>
             <a:endParaRPr lang="ko-KR" altLang="en-US"/>
           </a:p>
@@ -2654,7 +2666,7 @@
           <a:p>
             <a:fld id="{82917204-2A6F-448B-87AF-8C42704A3CD0}" type="datetimeFigureOut">
               <a:rPr lang="ko-KR" altLang="en-US" smtClean="0"/>
-              <a:t>2024-04-12</a:t>
+              <a:t>2024-04-13</a:t>
             </a:fld>
             <a:endParaRPr lang="ko-KR" altLang="en-US"/>
           </a:p>
@@ -2908,7 +2920,7 @@
           <a:p>
             <a:fld id="{82917204-2A6F-448B-87AF-8C42704A3CD0}" type="datetimeFigureOut">
               <a:rPr lang="ko-KR" altLang="en-US" smtClean="0"/>
-              <a:t>2024-04-12</a:t>
+              <a:t>2024-04-13</a:t>
             </a:fld>
             <a:endParaRPr lang="ko-KR" altLang="en-US"/>
           </a:p>
@@ -3355,6 +3367,14 @@
 <file path=ppt/slides/slide1.xml><?xml version="1.0" encoding="utf-8"?>
 <p:sld xmlns:a="http://schemas.openxmlformats.org/drawingml/2006/main" xmlns:r="http://schemas.openxmlformats.org/officeDocument/2006/relationships" xmlns:p="http://schemas.openxmlformats.org/presentationml/2006/main">
   <p:cSld>
+    <p:bg>
+      <p:bgPr>
+        <a:solidFill>
+          <a:schemeClr val="accent1"/>
+        </a:solidFill>
+        <a:effectLst/>
+      </p:bgPr>
+    </p:bg>
     <p:spTree>
       <p:nvGrpSpPr>
         <p:cNvPr id="1" name=""/>
@@ -3371,6 +3391,248 @@
       </p:grpSpPr>
       <p:sp>
         <p:nvSpPr>
+          <p:cNvPr id="11" name="Rectangle 10">
+            <a:extLst>
+              <a:ext uri="{FF2B5EF4-FFF2-40B4-BE49-F238E27FC236}">
+                <a16:creationId xmlns:a16="http://schemas.microsoft.com/office/drawing/2014/main" id="{6C26C0AB-632B-4701-A5A6-052B75B7F659}"/>
+              </a:ext>
+              <a:ext uri="{C183D7F6-B498-43B3-948B-1728B52AA6E4}">
+                <adec:decorative xmlns:adec="http://schemas.microsoft.com/office/drawing/2017/decorative" val="1"/>
+              </a:ext>
+            </a:extLst>
+          </p:cNvPr>
+          <p:cNvSpPr>
+            <a:spLocks noGrp="1" noRot="1" noChangeAspect="1" noMove="1" noResize="1" noEditPoints="1" noAdjustHandles="1" noChangeArrowheads="1" noChangeShapeType="1" noTextEdit="1"/>
+          </p:cNvSpPr>
+          <p:nvPr>
+            <p:extLst>
+              <p:ext uri="{386F3935-93C4-4BCD-93E2-E3B085C9AB24}">
+                <p16:designElem xmlns:p16="http://schemas.microsoft.com/office/powerpoint/2015/main" val="1"/>
+              </p:ext>
+            </p:extLst>
+          </p:nvPr>
+        </p:nvSpPr>
+        <p:spPr>
+          <a:xfrm>
+            <a:off x="231140" y="243840"/>
+            <a:ext cx="11722100" cy="6377939"/>
+          </a:xfrm>
+          <a:prstGeom prst="rect">
+            <a:avLst/>
+          </a:prstGeom>
+          <a:solidFill>
+            <a:schemeClr val="bg1"/>
+          </a:solidFill>
+          <a:ln w="12700">
+            <a:solidFill>
+              <a:srgbClr val="FFFFFF"/>
+            </a:solidFill>
+          </a:ln>
+        </p:spPr>
+        <p:style>
+          <a:lnRef idx="2">
+            <a:schemeClr val="accent1">
+              <a:shade val="50000"/>
+            </a:schemeClr>
+          </a:lnRef>
+          <a:fillRef idx="1">
+            <a:schemeClr val="accent1"/>
+          </a:fillRef>
+          <a:effectRef idx="0">
+            <a:schemeClr val="accent1"/>
+          </a:effectRef>
+          <a:fontRef idx="minor">
+            <a:schemeClr val="lt1"/>
+          </a:fontRef>
+        </p:style>
+        <p:txBody>
+          <a:bodyPr/>
+          <a:lstStyle/>
+          <a:p>
+            <a:endParaRPr lang="ko-KR" altLang="en-US"/>
+          </a:p>
+        </p:txBody>
+      </p:sp>
+      <p:sp>
+        <p:nvSpPr>
+          <p:cNvPr id="13" name="Rectangle 12">
+            <a:extLst>
+              <a:ext uri="{FF2B5EF4-FFF2-40B4-BE49-F238E27FC236}">
+                <a16:creationId xmlns:a16="http://schemas.microsoft.com/office/drawing/2014/main" id="{122A2853-A55A-47F7-902F-6DE7185D8DA6}"/>
+              </a:ext>
+              <a:ext uri="{C183D7F6-B498-43B3-948B-1728B52AA6E4}">
+                <adec:decorative xmlns:adec="http://schemas.microsoft.com/office/drawing/2017/decorative" val="1"/>
+              </a:ext>
+            </a:extLst>
+          </p:cNvPr>
+          <p:cNvSpPr>
+            <a:spLocks noGrp="1" noRot="1" noChangeAspect="1" noMove="1" noResize="1" noEditPoints="1" noAdjustHandles="1" noChangeArrowheads="1" noChangeShapeType="1" noTextEdit="1"/>
+          </p:cNvSpPr>
+          <p:nvPr>
+            <p:extLst>
+              <p:ext uri="{386F3935-93C4-4BCD-93E2-E3B085C9AB24}">
+                <p16:designElem xmlns:p16="http://schemas.microsoft.com/office/powerpoint/2015/main" val="1"/>
+              </p:ext>
+            </p:extLst>
+          </p:nvPr>
+        </p:nvSpPr>
+        <p:spPr>
+          <a:xfrm>
+            <a:off x="4636008" y="246887"/>
+            <a:ext cx="7314691" cy="6377939"/>
+          </a:xfrm>
+          <a:prstGeom prst="rect">
+            <a:avLst/>
+          </a:prstGeom>
+          <a:solidFill>
+            <a:srgbClr val="A6B727"/>
+          </a:solidFill>
+          <a:ln w="12700">
+            <a:solidFill>
+              <a:srgbClr val="FFFFFF"/>
+            </a:solidFill>
+          </a:ln>
+        </p:spPr>
+        <p:style>
+          <a:lnRef idx="2">
+            <a:schemeClr val="accent1">
+              <a:shade val="50000"/>
+            </a:schemeClr>
+          </a:lnRef>
+          <a:fillRef idx="1">
+            <a:schemeClr val="accent1"/>
+          </a:fillRef>
+          <a:effectRef idx="0">
+            <a:schemeClr val="accent1"/>
+          </a:effectRef>
+          <a:fontRef idx="minor">
+            <a:schemeClr val="lt1"/>
+          </a:fontRef>
+        </p:style>
+        <p:txBody>
+          <a:bodyPr/>
+          <a:lstStyle/>
+          <a:p>
+            <a:endParaRPr lang="ko-KR" altLang="en-US"/>
+          </a:p>
+        </p:txBody>
+      </p:sp>
+      <p:cxnSp>
+        <p:nvCxnSpPr>
+          <p:cNvPr id="15" name="Straight Connector 14">
+            <a:extLst>
+              <a:ext uri="{FF2B5EF4-FFF2-40B4-BE49-F238E27FC236}">
+                <a16:creationId xmlns:a16="http://schemas.microsoft.com/office/drawing/2014/main" id="{4A0A3D00-134B-401B-BED1-39F1B734C951}"/>
+              </a:ext>
+              <a:ext uri="{C183D7F6-B498-43B3-948B-1728B52AA6E4}">
+                <adec:decorative xmlns:adec="http://schemas.microsoft.com/office/drawing/2017/decorative" val="1"/>
+              </a:ext>
+            </a:extLst>
+          </p:cNvPr>
+          <p:cNvCxnSpPr>
+            <a:cxnSpLocks noGrp="1" noRot="1" noChangeAspect="1" noMove="1" noResize="1" noEditPoints="1" noAdjustHandles="1" noChangeArrowheads="1" noChangeShapeType="1"/>
+          </p:cNvCxnSpPr>
+          <p:nvPr>
+            <p:extLst>
+              <p:ext uri="{386F3935-93C4-4BCD-93E2-E3B085C9AB24}">
+                <p16:designElem xmlns:p16="http://schemas.microsoft.com/office/powerpoint/2015/main" val="1"/>
+              </p:ext>
+            </p:extLst>
+          </p:nvPr>
+        </p:nvCxnSpPr>
+        <p:spPr>
+          <a:xfrm>
+            <a:off x="5633843" y="4005950"/>
+            <a:ext cx="5319020" cy="0"/>
+          </a:xfrm>
+          <a:prstGeom prst="line">
+            <a:avLst/>
+          </a:prstGeom>
+          <a:ln>
+            <a:solidFill>
+              <a:srgbClr val="FFFFFF"/>
+            </a:solidFill>
+          </a:ln>
+        </p:spPr>
+        <p:style>
+          <a:lnRef idx="1">
+            <a:schemeClr val="accent1"/>
+          </a:lnRef>
+          <a:fillRef idx="0">
+            <a:schemeClr val="accent1"/>
+          </a:fillRef>
+          <a:effectRef idx="0">
+            <a:schemeClr val="accent1"/>
+          </a:effectRef>
+          <a:fontRef idx="minor">
+            <a:schemeClr val="tx1"/>
+          </a:fontRef>
+        </p:style>
+      </p:cxnSp>
+      <p:sp>
+        <p:nvSpPr>
+          <p:cNvPr id="17" name="Rectangle 16">
+            <a:extLst>
+              <a:ext uri="{FF2B5EF4-FFF2-40B4-BE49-F238E27FC236}">
+                <a16:creationId xmlns:a16="http://schemas.microsoft.com/office/drawing/2014/main" id="{F4F11129-8A77-4850-9BAB-FDA0CF4F3B66}"/>
+              </a:ext>
+              <a:ext uri="{C183D7F6-B498-43B3-948B-1728B52AA6E4}">
+                <adec:decorative xmlns:adec="http://schemas.microsoft.com/office/drawing/2017/decorative" val="1"/>
+              </a:ext>
+            </a:extLst>
+          </p:cNvPr>
+          <p:cNvSpPr>
+            <a:spLocks noGrp="1" noRot="1" noChangeAspect="1" noMove="1" noResize="1" noEditPoints="1" noAdjustHandles="1" noChangeArrowheads="1" noChangeShapeType="1" noTextEdit="1"/>
+          </p:cNvSpPr>
+          <p:nvPr>
+            <p:extLst>
+              <p:ext uri="{386F3935-93C4-4BCD-93E2-E3B085C9AB24}">
+                <p16:designElem xmlns:p16="http://schemas.microsoft.com/office/powerpoint/2015/main" val="1"/>
+              </p:ext>
+            </p:extLst>
+          </p:nvPr>
+        </p:nvSpPr>
+        <p:spPr>
+          <a:xfrm>
+            <a:off x="228600" y="246888"/>
+            <a:ext cx="11724640" cy="6377939"/>
+          </a:xfrm>
+          <a:prstGeom prst="rect">
+            <a:avLst/>
+          </a:prstGeom>
+          <a:noFill/>
+          <a:ln w="12700">
+            <a:solidFill>
+              <a:srgbClr val="FFFFFF"/>
+            </a:solidFill>
+          </a:ln>
+        </p:spPr>
+        <p:style>
+          <a:lnRef idx="2">
+            <a:schemeClr val="accent1">
+              <a:shade val="50000"/>
+            </a:schemeClr>
+          </a:lnRef>
+          <a:fillRef idx="1">
+            <a:schemeClr val="accent1"/>
+          </a:fillRef>
+          <a:effectRef idx="0">
+            <a:schemeClr val="accent1"/>
+          </a:effectRef>
+          <a:fontRef idx="minor">
+            <a:schemeClr val="lt1"/>
+          </a:fontRef>
+        </p:style>
+        <p:txBody>
+          <a:bodyPr/>
+          <a:lstStyle/>
+          <a:p>
+            <a:endParaRPr lang="ko-KR" altLang="en-US"/>
+          </a:p>
+        </p:txBody>
+      </p:sp>
+      <p:sp>
+        <p:nvSpPr>
           <p:cNvPr id="4" name="TextBox 3">
             <a:extLst>
               <a:ext uri="{FF2B5EF4-FFF2-40B4-BE49-F238E27FC236}">
@@ -3383,35 +3645,1216 @@
         </p:nvSpPr>
         <p:spPr>
           <a:xfrm>
-            <a:off x="3072864" y="2862499"/>
-            <a:ext cx="6046271" cy="830997"/>
+            <a:off x="5283553" y="893398"/>
+            <a:ext cx="6019601" cy="3187208"/>
           </a:xfrm>
           <a:prstGeom prst="rect">
             <a:avLst/>
           </a:prstGeom>
-          <a:noFill/>
-        </p:spPr>
-        <p:txBody>
-          <a:bodyPr wrap="none" rtlCol="0">
-            <a:spAutoFit/>
+        </p:spPr>
+        <p:txBody>
+          <a:bodyPr vert="horz" lIns="91440" tIns="45720" rIns="91440" bIns="45720" rtlCol="0" anchor="b">
+            <a:normAutofit/>
           </a:bodyPr>
           <a:lstStyle/>
           <a:p>
-            <a:r>
-              <a:rPr lang="en-US" altLang="ko-KR" sz="4800" dirty="0"/>
+            <a:pPr algn="ctr" defTabSz="914400">
+              <a:lnSpc>
+                <a:spcPct val="85000"/>
+              </a:lnSpc>
+              <a:spcBef>
+                <a:spcPct val="0"/>
+              </a:spcBef>
+              <a:spcAft>
+                <a:spcPts val="600"/>
+              </a:spcAft>
+            </a:pPr>
+            <a:r>
+              <a:rPr lang="en-US" altLang="ko-KR" sz="7200" b="1" cap="all">
+                <a:solidFill>
+                  <a:srgbClr val="FFFFFF"/>
+                </a:solidFill>
+                <a:latin typeface="+mj-lt"/>
+                <a:ea typeface="+mj-ea"/>
+                <a:cs typeface="+mj-cs"/>
+              </a:rPr>
               <a:t>Unity SQLite </a:t>
             </a:r>
             <a:r>
-              <a:rPr lang="ko-KR" altLang="en-US" sz="4800" dirty="0"/>
+              <a:rPr lang="ko-KR" altLang="en-US" sz="7200" b="1" cap="all">
+                <a:solidFill>
+                  <a:srgbClr val="FFFFFF"/>
+                </a:solidFill>
+                <a:latin typeface="+mj-lt"/>
+                <a:ea typeface="+mj-ea"/>
+                <a:cs typeface="+mj-cs"/>
+              </a:rPr>
               <a:t>연동하기</a:t>
             </a:r>
           </a:p>
         </p:txBody>
       </p:sp>
+      <p:pic>
+        <p:nvPicPr>
+          <p:cNvPr id="8" name="Graphic 7" descr="Wind Chime">
+            <a:extLst>
+              <a:ext uri="{FF2B5EF4-FFF2-40B4-BE49-F238E27FC236}">
+                <a16:creationId xmlns:a16="http://schemas.microsoft.com/office/drawing/2014/main" id="{931A1F6B-73F0-51E1-047A-DBED1BC8FEC4}"/>
+              </a:ext>
+            </a:extLst>
+          </p:cNvPr>
+          <p:cNvPicPr>
+            <a:picLocks noChangeAspect="1"/>
+          </p:cNvPicPr>
+          <p:nvPr/>
+        </p:nvPicPr>
+        <p:blipFill>
+          <a:blip r:embed="rId2">
+            <a:extLst>
+              <a:ext uri="{28A0092B-C50C-407E-A947-70E740481C1C}">
+                <a14:useLocalDpi xmlns:a14="http://schemas.microsoft.com/office/drawing/2010/main" val="0"/>
+              </a:ext>
+              <a:ext uri="{96DAC541-7B7A-43D3-8B79-37D633B846F1}">
+                <asvg:svgBlip xmlns:asvg="http://schemas.microsoft.com/office/drawing/2016/SVG/main" r:embed="rId3"/>
+              </a:ext>
+            </a:extLst>
+          </a:blip>
+          <a:stretch>
+            <a:fillRect/>
+          </a:stretch>
+        </p:blipFill>
+        <p:spPr>
+          <a:xfrm>
+            <a:off x="872065" y="1860302"/>
+            <a:ext cx="3135414" cy="3135414"/>
+          </a:xfrm>
+          <a:prstGeom prst="rect">
+            <a:avLst/>
+          </a:prstGeom>
+        </p:spPr>
+      </p:pic>
     </p:spTree>
     <p:extLst>
       <p:ext uri="{BB962C8B-B14F-4D97-AF65-F5344CB8AC3E}">
         <p14:creationId xmlns:p14="http://schemas.microsoft.com/office/powerpoint/2010/main" val="1658027839"/>
+      </p:ext>
+    </p:extLst>
+  </p:cSld>
+  <p:clrMapOvr>
+    <a:masterClrMapping/>
+  </p:clrMapOvr>
+  <p:timing>
+    <p:tnLst>
+      <p:par>
+        <p:cTn id="1" dur="indefinite" restart="never" nodeType="tmRoot">
+          <p:childTnLst>
+            <p:seq concurrent="1" nextAc="seek">
+              <p:cTn id="2" dur="indefinite" nodeType="mainSeq">
+                <p:childTnLst>
+                  <p:par>
+                    <p:cTn id="3" fill="hold">
+                      <p:stCondLst>
+                        <p:cond delay="indefinite"/>
+                        <p:cond evt="onBegin" delay="0">
+                          <p:tn val="2"/>
+                        </p:cond>
+                      </p:stCondLst>
+                      <p:childTnLst>
+                        <p:par>
+                          <p:cTn id="4" fill="hold">
+                            <p:stCondLst>
+                              <p:cond delay="0"/>
+                            </p:stCondLst>
+                            <p:childTnLst>
+                              <p:par>
+                                <p:cTn id="5" presetID="10" presetClass="entr" presetSubtype="0" fill="hold" nodeType="withEffect">
+                                  <p:stCondLst>
+                                    <p:cond delay="500"/>
+                                  </p:stCondLst>
+                                  <p:iterate>
+                                    <p:tmPct val="10000"/>
+                                  </p:iterate>
+                                  <p:childTnLst>
+                                    <p:set>
+                                      <p:cBhvr>
+                                        <p:cTn id="6" dur="1" fill="hold">
+                                          <p:stCondLst>
+                                            <p:cond delay="0"/>
+                                          </p:stCondLst>
+                                        </p:cTn>
+                                        <p:tgtEl>
+                                          <p:spTgt spid="8"/>
+                                        </p:tgtEl>
+                                        <p:attrNameLst>
+                                          <p:attrName>style.visibility</p:attrName>
+                                        </p:attrNameLst>
+                                      </p:cBhvr>
+                                      <p:to>
+                                        <p:strVal val="visible"/>
+                                      </p:to>
+                                    </p:set>
+                                    <p:animEffect transition="in" filter="fade">
+                                      <p:cBhvr>
+                                        <p:cTn id="7" dur="700"/>
+                                        <p:tgtEl>
+                                          <p:spTgt spid="8"/>
+                                        </p:tgtEl>
+                                      </p:cBhvr>
+                                    </p:animEffect>
+                                  </p:childTnLst>
+                                </p:cTn>
+                              </p:par>
+                            </p:childTnLst>
+                          </p:cTn>
+                        </p:par>
+                      </p:childTnLst>
+                    </p:cTn>
+                  </p:par>
+                </p:childTnLst>
+              </p:cTn>
+              <p:prevCondLst>
+                <p:cond evt="onPrev" delay="0">
+                  <p:tgtEl>
+                    <p:sldTgt/>
+                  </p:tgtEl>
+                </p:cond>
+              </p:prevCondLst>
+              <p:nextCondLst>
+                <p:cond evt="onNext" delay="0">
+                  <p:tgtEl>
+                    <p:sldTgt/>
+                  </p:tgtEl>
+                </p:cond>
+              </p:nextCondLst>
+            </p:seq>
+          </p:childTnLst>
+        </p:cTn>
+      </p:par>
+    </p:tnLst>
+  </p:timing>
+</p:sld>
+</file>
+
+<file path=ppt/slides/slide10.xml><?xml version="1.0" encoding="utf-8"?>
+<p:sld xmlns:a="http://schemas.openxmlformats.org/drawingml/2006/main" xmlns:r="http://schemas.openxmlformats.org/officeDocument/2006/relationships" xmlns:p="http://schemas.openxmlformats.org/presentationml/2006/main">
+  <p:cSld>
+    <p:bg>
+      <p:bgPr>
+        <a:solidFill>
+          <a:schemeClr val="accent1"/>
+        </a:solidFill>
+        <a:effectLst/>
+      </p:bgPr>
+    </p:bg>
+    <p:spTree>
+      <p:nvGrpSpPr>
+        <p:cNvPr id="1" name=""/>
+        <p:cNvGrpSpPr/>
+        <p:nvPr/>
+      </p:nvGrpSpPr>
+      <p:grpSpPr>
+        <a:xfrm>
+          <a:off x="0" y="0"/>
+          <a:ext cx="0" cy="0"/>
+          <a:chOff x="0" y="0"/>
+          <a:chExt cx="0" cy="0"/>
+        </a:xfrm>
+      </p:grpSpPr>
+      <p:sp>
+        <p:nvSpPr>
+          <p:cNvPr id="11" name="Rectangle 8">
+            <a:extLst>
+              <a:ext uri="{FF2B5EF4-FFF2-40B4-BE49-F238E27FC236}">
+                <a16:creationId xmlns:a16="http://schemas.microsoft.com/office/drawing/2014/main" id="{E9271C28-7496-4447-8541-7B39F5E9480A}"/>
+              </a:ext>
+              <a:ext uri="{C183D7F6-B498-43B3-948B-1728B52AA6E4}">
+                <adec:decorative xmlns:adec="http://schemas.microsoft.com/office/drawing/2017/decorative" val="1"/>
+              </a:ext>
+            </a:extLst>
+          </p:cNvPr>
+          <p:cNvSpPr>
+            <a:spLocks noGrp="1" noRot="1" noChangeAspect="1" noMove="1" noResize="1" noEditPoints="1" noAdjustHandles="1" noChangeArrowheads="1" noChangeShapeType="1" noTextEdit="1"/>
+          </p:cNvSpPr>
+          <p:nvPr>
+            <p:extLst>
+              <p:ext uri="{386F3935-93C4-4BCD-93E2-E3B085C9AB24}">
+                <p16:designElem xmlns:p16="http://schemas.microsoft.com/office/powerpoint/2015/main" val="1"/>
+              </p:ext>
+            </p:extLst>
+          </p:nvPr>
+        </p:nvSpPr>
+        <p:spPr>
+          <a:xfrm>
+            <a:off x="231140" y="243840"/>
+            <a:ext cx="11724640" cy="6377939"/>
+          </a:xfrm>
+          <a:prstGeom prst="rect">
+            <a:avLst/>
+          </a:prstGeom>
+          <a:solidFill>
+            <a:schemeClr val="bg1"/>
+          </a:solidFill>
+          <a:ln w="12700">
+            <a:noFill/>
+          </a:ln>
+        </p:spPr>
+        <p:style>
+          <a:lnRef idx="2">
+            <a:schemeClr val="accent1">
+              <a:shade val="50000"/>
+            </a:schemeClr>
+          </a:lnRef>
+          <a:fillRef idx="1">
+            <a:schemeClr val="accent1"/>
+          </a:fillRef>
+          <a:effectRef idx="0">
+            <a:schemeClr val="accent1"/>
+          </a:effectRef>
+          <a:fontRef idx="minor">
+            <a:schemeClr val="lt1"/>
+          </a:fontRef>
+        </p:style>
+        <p:txBody>
+          <a:bodyPr/>
+          <a:lstStyle/>
+          <a:p>
+            <a:endParaRPr lang="ko-KR" altLang="en-US"/>
+          </a:p>
+        </p:txBody>
+      </p:sp>
+      <p:pic>
+        <p:nvPicPr>
+          <p:cNvPr id="3" name="그림 2">
+            <a:extLst>
+              <a:ext uri="{FF2B5EF4-FFF2-40B4-BE49-F238E27FC236}">
+                <a16:creationId xmlns:a16="http://schemas.microsoft.com/office/drawing/2014/main" id="{9356554E-F410-6C63-3698-BE2CA15011BF}"/>
+              </a:ext>
+            </a:extLst>
+          </p:cNvPr>
+          <p:cNvPicPr>
+            <a:picLocks noChangeAspect="1"/>
+          </p:cNvPicPr>
+          <p:nvPr/>
+        </p:nvPicPr>
+        <p:blipFill>
+          <a:blip r:embed="rId2"/>
+          <a:stretch>
+            <a:fillRect/>
+          </a:stretch>
+        </p:blipFill>
+        <p:spPr>
+          <a:xfrm>
+            <a:off x="872064" y="1308223"/>
+            <a:ext cx="4593715" cy="4239573"/>
+          </a:xfrm>
+          <a:prstGeom prst="rect">
+            <a:avLst/>
+          </a:prstGeom>
+        </p:spPr>
+      </p:pic>
+      <p:sp>
+        <p:nvSpPr>
+          <p:cNvPr id="4" name="내용 개체 틀 2">
+            <a:extLst>
+              <a:ext uri="{FF2B5EF4-FFF2-40B4-BE49-F238E27FC236}">
+                <a16:creationId xmlns:a16="http://schemas.microsoft.com/office/drawing/2014/main" id="{970A10C5-73BA-EB58-23FA-46D8E79C00CC}"/>
+              </a:ext>
+            </a:extLst>
+          </p:cNvPr>
+          <p:cNvSpPr>
+            <a:spLocks noGrp="1"/>
+          </p:cNvSpPr>
+          <p:nvPr>
+            <p:ph idx="1"/>
+          </p:nvPr>
+        </p:nvSpPr>
+        <p:spPr>
+          <a:xfrm>
+            <a:off x="6106703" y="1913467"/>
+            <a:ext cx="5364444" cy="4038600"/>
+          </a:xfrm>
+        </p:spPr>
+        <p:txBody>
+          <a:bodyPr>
+            <a:normAutofit/>
+          </a:bodyPr>
+          <a:lstStyle/>
+          <a:p>
+            <a:pPr>
+              <a:lnSpc>
+                <a:spcPct val="150000"/>
+              </a:lnSpc>
+            </a:pPr>
+            <a:r>
+              <a:rPr lang="ko-KR" altLang="en-US" dirty="0"/>
+              <a:t>첫 행에 </a:t>
+            </a:r>
+            <a:r>
+              <a:rPr lang="ko-KR" altLang="en-US" dirty="0" err="1"/>
+              <a:t>필드명</a:t>
+            </a:r>
+            <a:r>
+              <a:rPr lang="ko-KR" altLang="en-US" dirty="0"/>
+              <a:t> 포함 옵션과</a:t>
+            </a:r>
+            <a:r>
+              <a:rPr lang="en-US" altLang="ko-KR" dirty="0"/>
+              <a:t>, </a:t>
+            </a:r>
+            <a:r>
+              <a:rPr lang="ko-KR" altLang="en-US" dirty="0"/>
+              <a:t>필드 앞 뒤 공백 제거 옵션을 선택해 줍니다</a:t>
+            </a:r>
+            <a:r>
+              <a:rPr lang="en-US" altLang="ko-KR" dirty="0"/>
+              <a:t>.</a:t>
+            </a:r>
+          </a:p>
+          <a:p>
+            <a:pPr>
+              <a:lnSpc>
+                <a:spcPct val="150000"/>
+              </a:lnSpc>
+            </a:pPr>
+            <a:r>
+              <a:rPr lang="ko-KR" altLang="en-US" dirty="0"/>
+              <a:t>모든 과정이 완료되면 확인을 눌러 테이블을 </a:t>
+            </a:r>
+            <a:r>
+              <a:rPr lang="en-US" altLang="ko-KR" dirty="0"/>
+              <a:t>import</a:t>
+            </a:r>
+            <a:r>
+              <a:rPr lang="ko-KR" altLang="en-US" dirty="0"/>
+              <a:t> 합니다</a:t>
+            </a:r>
+            <a:r>
+              <a:rPr lang="en-US" altLang="ko-KR" dirty="0"/>
+              <a:t>.</a:t>
+            </a:r>
+            <a:endParaRPr lang="ko-KR" altLang="en-US" dirty="0"/>
+          </a:p>
+        </p:txBody>
+      </p:sp>
+    </p:spTree>
+    <p:extLst>
+      <p:ext uri="{BB962C8B-B14F-4D97-AF65-F5344CB8AC3E}">
+        <p14:creationId xmlns:p14="http://schemas.microsoft.com/office/powerpoint/2010/main" val="1999200032"/>
+      </p:ext>
+    </p:extLst>
+  </p:cSld>
+  <p:clrMapOvr>
+    <a:masterClrMapping/>
+  </p:clrMapOvr>
+</p:sld>
+</file>
+
+<file path=ppt/slides/slide11.xml><?xml version="1.0" encoding="utf-8"?>
+<p:sld xmlns:a="http://schemas.openxmlformats.org/drawingml/2006/main" xmlns:r="http://schemas.openxmlformats.org/officeDocument/2006/relationships" xmlns:p="http://schemas.openxmlformats.org/presentationml/2006/main">
+  <p:cSld>
+    <p:bg>
+      <p:bgPr>
+        <a:solidFill>
+          <a:schemeClr val="accent1"/>
+        </a:solidFill>
+        <a:effectLst/>
+      </p:bgPr>
+    </p:bg>
+    <p:spTree>
+      <p:nvGrpSpPr>
+        <p:cNvPr id="1" name=""/>
+        <p:cNvGrpSpPr/>
+        <p:nvPr/>
+      </p:nvGrpSpPr>
+      <p:grpSpPr>
+        <a:xfrm>
+          <a:off x="0" y="0"/>
+          <a:ext cx="0" cy="0"/>
+          <a:chOff x="0" y="0"/>
+          <a:chExt cx="0" cy="0"/>
+        </a:xfrm>
+      </p:grpSpPr>
+      <p:pic>
+        <p:nvPicPr>
+          <p:cNvPr id="11" name="그림 10">
+            <a:extLst>
+              <a:ext uri="{FF2B5EF4-FFF2-40B4-BE49-F238E27FC236}">
+                <a16:creationId xmlns:a16="http://schemas.microsoft.com/office/drawing/2014/main" id="{12F21119-C4F9-3AAF-C2A2-9686056496E6}"/>
+              </a:ext>
+            </a:extLst>
+          </p:cNvPr>
+          <p:cNvPicPr>
+            <a:picLocks noChangeAspect="1"/>
+          </p:cNvPicPr>
+          <p:nvPr/>
+        </p:nvPicPr>
+        <p:blipFill>
+          <a:blip r:embed="rId2"/>
+          <a:stretch>
+            <a:fillRect/>
+          </a:stretch>
+        </p:blipFill>
+        <p:spPr>
+          <a:xfrm>
+            <a:off x="460014" y="501485"/>
+            <a:ext cx="4730764" cy="2767496"/>
+          </a:xfrm>
+          <a:prstGeom prst="rect">
+            <a:avLst/>
+          </a:prstGeom>
+        </p:spPr>
+      </p:pic>
+      <p:pic>
+        <p:nvPicPr>
+          <p:cNvPr id="3" name="그림 2">
+            <a:extLst>
+              <a:ext uri="{FF2B5EF4-FFF2-40B4-BE49-F238E27FC236}">
+                <a16:creationId xmlns:a16="http://schemas.microsoft.com/office/drawing/2014/main" id="{FA361320-9C5D-ED77-1FC0-F4A762EE841D}"/>
+              </a:ext>
+            </a:extLst>
+          </p:cNvPr>
+          <p:cNvPicPr>
+            <a:picLocks noChangeAspect="1"/>
+          </p:cNvPicPr>
+          <p:nvPr/>
+        </p:nvPicPr>
+        <p:blipFill>
+          <a:blip r:embed="rId3"/>
+          <a:stretch>
+            <a:fillRect/>
+          </a:stretch>
+        </p:blipFill>
+        <p:spPr>
+          <a:xfrm>
+            <a:off x="460014" y="3268980"/>
+            <a:ext cx="4730765" cy="2827020"/>
+          </a:xfrm>
+          <a:prstGeom prst="rect">
+            <a:avLst/>
+          </a:prstGeom>
+        </p:spPr>
+      </p:pic>
+      <p:sp>
+        <p:nvSpPr>
+          <p:cNvPr id="4" name="내용 개체 틀 2">
+            <a:extLst>
+              <a:ext uri="{FF2B5EF4-FFF2-40B4-BE49-F238E27FC236}">
+                <a16:creationId xmlns:a16="http://schemas.microsoft.com/office/drawing/2014/main" id="{970A10C5-73BA-EB58-23FA-46D8E79C00CC}"/>
+              </a:ext>
+            </a:extLst>
+          </p:cNvPr>
+          <p:cNvSpPr>
+            <a:spLocks noGrp="1"/>
+          </p:cNvSpPr>
+          <p:nvPr>
+            <p:ph idx="1"/>
+          </p:nvPr>
+        </p:nvSpPr>
+        <p:spPr>
+          <a:xfrm>
+            <a:off x="5394369" y="1409700"/>
+            <a:ext cx="6017833" cy="4038600"/>
+          </a:xfrm>
+        </p:spPr>
+        <p:txBody>
+          <a:bodyPr>
+            <a:normAutofit lnSpcReduction="10000"/>
+          </a:bodyPr>
+          <a:lstStyle/>
+          <a:p>
+            <a:pPr marL="45720" indent="0">
+              <a:lnSpc>
+                <a:spcPct val="150000"/>
+              </a:lnSpc>
+              <a:buNone/>
+            </a:pPr>
+            <a:r>
+              <a:rPr lang="ko-KR" altLang="en-US" dirty="0"/>
+              <a:t>번외</a:t>
+            </a:r>
+            <a:endParaRPr lang="en-US" altLang="ko-KR" dirty="0"/>
+          </a:p>
+          <a:p>
+            <a:pPr>
+              <a:lnSpc>
+                <a:spcPct val="150000"/>
+              </a:lnSpc>
+            </a:pPr>
+            <a:r>
+              <a:rPr lang="ko-KR" altLang="en-US" dirty="0"/>
+              <a:t>해당 </a:t>
+            </a:r>
+            <a:r>
+              <a:rPr lang="en-US" altLang="ko-KR" dirty="0"/>
+              <a:t>DB</a:t>
+            </a:r>
+            <a:r>
+              <a:rPr lang="ko-KR" altLang="en-US" dirty="0"/>
+              <a:t>를 다른 </a:t>
+            </a:r>
+            <a:r>
+              <a:rPr lang="en-US" altLang="ko-KR" dirty="0" err="1"/>
+              <a:t>DataBase</a:t>
+            </a:r>
+            <a:r>
+              <a:rPr lang="en-US" altLang="ko-KR" dirty="0"/>
+              <a:t> IDE</a:t>
+            </a:r>
+            <a:r>
+              <a:rPr lang="ko-KR" altLang="en-US" dirty="0"/>
+              <a:t> 에서 사용하려는 경우</a:t>
+            </a:r>
+            <a:endParaRPr lang="en-US" altLang="ko-KR" dirty="0"/>
+          </a:p>
+          <a:p>
+            <a:pPr>
+              <a:lnSpc>
+                <a:spcPct val="150000"/>
+              </a:lnSpc>
+            </a:pPr>
+            <a:r>
+              <a:rPr lang="en-US" altLang="ko-KR" dirty="0"/>
+              <a:t>DB Browser for SQLite</a:t>
+            </a:r>
+            <a:r>
+              <a:rPr lang="ko-KR" altLang="en-US" dirty="0"/>
+              <a:t>를 종료하고 아래 과정을 실행합니다</a:t>
+            </a:r>
+            <a:r>
+              <a:rPr lang="en-US" altLang="ko-KR" dirty="0"/>
+              <a:t>.</a:t>
+            </a:r>
+          </a:p>
+          <a:p>
+            <a:pPr>
+              <a:lnSpc>
+                <a:spcPct val="150000"/>
+              </a:lnSpc>
+            </a:pPr>
+            <a:r>
+              <a:rPr lang="en-US" altLang="ko-KR" dirty="0"/>
+              <a:t>Add data source manually – Data source – SQLite – File…</a:t>
+            </a:r>
+          </a:p>
+          <a:p>
+            <a:pPr>
+              <a:lnSpc>
+                <a:spcPct val="150000"/>
+              </a:lnSpc>
+            </a:pPr>
+            <a:endParaRPr lang="en-US" altLang="ko-KR" dirty="0"/>
+          </a:p>
+          <a:p>
+            <a:pPr>
+              <a:lnSpc>
+                <a:spcPct val="150000"/>
+              </a:lnSpc>
+            </a:pPr>
+            <a:endParaRPr lang="ko-KR" altLang="en-US" dirty="0"/>
+          </a:p>
+        </p:txBody>
+      </p:sp>
+    </p:spTree>
+    <p:extLst>
+      <p:ext uri="{BB962C8B-B14F-4D97-AF65-F5344CB8AC3E}">
+        <p14:creationId xmlns:p14="http://schemas.microsoft.com/office/powerpoint/2010/main" val="987850855"/>
+      </p:ext>
+    </p:extLst>
+  </p:cSld>
+  <p:clrMapOvr>
+    <a:masterClrMapping/>
+  </p:clrMapOvr>
+</p:sld>
+</file>
+
+<file path=ppt/slides/slide12.xml><?xml version="1.0" encoding="utf-8"?>
+<p:sld xmlns:a="http://schemas.openxmlformats.org/drawingml/2006/main" xmlns:r="http://schemas.openxmlformats.org/officeDocument/2006/relationships" xmlns:p="http://schemas.openxmlformats.org/presentationml/2006/main">
+  <p:cSld>
+    <p:bg>
+      <p:bgPr>
+        <a:solidFill>
+          <a:schemeClr val="accent1"/>
+        </a:solidFill>
+        <a:effectLst/>
+      </p:bgPr>
+    </p:bg>
+    <p:spTree>
+      <p:nvGrpSpPr>
+        <p:cNvPr id="1" name=""/>
+        <p:cNvGrpSpPr/>
+        <p:nvPr/>
+      </p:nvGrpSpPr>
+      <p:grpSpPr>
+        <a:xfrm>
+          <a:off x="0" y="0"/>
+          <a:ext cx="0" cy="0"/>
+          <a:chOff x="0" y="0"/>
+          <a:chExt cx="0" cy="0"/>
+        </a:xfrm>
+      </p:grpSpPr>
+      <p:pic>
+        <p:nvPicPr>
+          <p:cNvPr id="10" name="그림 9">
+            <a:extLst>
+              <a:ext uri="{FF2B5EF4-FFF2-40B4-BE49-F238E27FC236}">
+                <a16:creationId xmlns:a16="http://schemas.microsoft.com/office/drawing/2014/main" id="{5E225061-154B-C726-508D-D5774F87A75F}"/>
+              </a:ext>
+            </a:extLst>
+          </p:cNvPr>
+          <p:cNvPicPr>
+            <a:picLocks noChangeAspect="1"/>
+          </p:cNvPicPr>
+          <p:nvPr/>
+        </p:nvPicPr>
+        <p:blipFill>
+          <a:blip r:embed="rId2"/>
+          <a:stretch>
+            <a:fillRect/>
+          </a:stretch>
+        </p:blipFill>
+        <p:spPr>
+          <a:xfrm>
+            <a:off x="469345" y="690613"/>
+            <a:ext cx="4331956" cy="2578367"/>
+          </a:xfrm>
+          <a:prstGeom prst="rect">
+            <a:avLst/>
+          </a:prstGeom>
+        </p:spPr>
+      </p:pic>
+      <p:pic>
+        <p:nvPicPr>
+          <p:cNvPr id="3" name="그림 2">
+            <a:extLst>
+              <a:ext uri="{FF2B5EF4-FFF2-40B4-BE49-F238E27FC236}">
+                <a16:creationId xmlns:a16="http://schemas.microsoft.com/office/drawing/2014/main" id="{BE1FDBCE-BA29-A7E3-D966-BDD84704AAFC}"/>
+              </a:ext>
+            </a:extLst>
+          </p:cNvPr>
+          <p:cNvPicPr>
+            <a:picLocks noChangeAspect="1"/>
+          </p:cNvPicPr>
+          <p:nvPr/>
+        </p:nvPicPr>
+        <p:blipFill>
+          <a:blip r:embed="rId3"/>
+          <a:stretch>
+            <a:fillRect/>
+          </a:stretch>
+        </p:blipFill>
+        <p:spPr>
+          <a:xfrm>
+            <a:off x="469345" y="3268980"/>
+            <a:ext cx="4331956" cy="2685812"/>
+          </a:xfrm>
+          <a:prstGeom prst="rect">
+            <a:avLst/>
+          </a:prstGeom>
+        </p:spPr>
+      </p:pic>
+      <p:sp>
+        <p:nvSpPr>
+          <p:cNvPr id="4" name="내용 개체 틀 2">
+            <a:extLst>
+              <a:ext uri="{FF2B5EF4-FFF2-40B4-BE49-F238E27FC236}">
+                <a16:creationId xmlns:a16="http://schemas.microsoft.com/office/drawing/2014/main" id="{970A10C5-73BA-EB58-23FA-46D8E79C00CC}"/>
+              </a:ext>
+            </a:extLst>
+          </p:cNvPr>
+          <p:cNvSpPr>
+            <a:spLocks noGrp="1"/>
+          </p:cNvSpPr>
+          <p:nvPr>
+            <p:ph idx="1"/>
+          </p:nvPr>
+        </p:nvSpPr>
+        <p:spPr>
+          <a:xfrm>
+            <a:off x="5029594" y="2701011"/>
+            <a:ext cx="6693061" cy="1135937"/>
+          </a:xfrm>
+        </p:spPr>
+        <p:txBody>
+          <a:bodyPr>
+            <a:normAutofit/>
+          </a:bodyPr>
+          <a:lstStyle/>
+          <a:p>
+            <a:pPr>
+              <a:lnSpc>
+                <a:spcPct val="150000"/>
+              </a:lnSpc>
+            </a:pPr>
+            <a:r>
+              <a:rPr lang="en-US" altLang="ko-KR" dirty="0"/>
+              <a:t>Assets – </a:t>
+            </a:r>
+            <a:r>
+              <a:rPr lang="en-US" altLang="ko-KR" dirty="0" err="1"/>
+              <a:t>DataBase</a:t>
+            </a:r>
+            <a:r>
+              <a:rPr lang="en-US" altLang="ko-KR" dirty="0"/>
+              <a:t> – DB</a:t>
+            </a:r>
+            <a:r>
+              <a:rPr lang="ko-KR" altLang="en-US" dirty="0"/>
+              <a:t>선택 후 열기 </a:t>
+            </a:r>
+            <a:r>
+              <a:rPr lang="en-US" altLang="ko-KR" dirty="0"/>
+              <a:t>– Test Connection – Connect to Database</a:t>
+            </a:r>
+            <a:endParaRPr lang="ko-KR" altLang="en-US" dirty="0"/>
+          </a:p>
+        </p:txBody>
+      </p:sp>
+    </p:spTree>
+    <p:extLst>
+      <p:ext uri="{BB962C8B-B14F-4D97-AF65-F5344CB8AC3E}">
+        <p14:creationId xmlns:p14="http://schemas.microsoft.com/office/powerpoint/2010/main" val="3130899754"/>
+      </p:ext>
+    </p:extLst>
+  </p:cSld>
+  <p:clrMapOvr>
+    <a:masterClrMapping/>
+  </p:clrMapOvr>
+</p:sld>
+</file>
+
+<file path=ppt/slides/slide13.xml><?xml version="1.0" encoding="utf-8"?>
+<p:sld xmlns:a="http://schemas.openxmlformats.org/drawingml/2006/main" xmlns:r="http://schemas.openxmlformats.org/officeDocument/2006/relationships" xmlns:p="http://schemas.openxmlformats.org/presentationml/2006/main">
+  <p:cSld>
+    <p:bg>
+      <p:bgPr>
+        <a:solidFill>
+          <a:schemeClr val="accent1"/>
+        </a:solidFill>
+        <a:effectLst/>
+      </p:bgPr>
+    </p:bg>
+    <p:spTree>
+      <p:nvGrpSpPr>
+        <p:cNvPr id="1" name=""/>
+        <p:cNvGrpSpPr/>
+        <p:nvPr/>
+      </p:nvGrpSpPr>
+      <p:grpSpPr>
+        <a:xfrm>
+          <a:off x="0" y="0"/>
+          <a:ext cx="0" cy="0"/>
+          <a:chOff x="0" y="0"/>
+          <a:chExt cx="0" cy="0"/>
+        </a:xfrm>
+      </p:grpSpPr>
+      <p:sp>
+        <p:nvSpPr>
+          <p:cNvPr id="10" name="Rectangle 9">
+            <a:extLst>
+              <a:ext uri="{FF2B5EF4-FFF2-40B4-BE49-F238E27FC236}">
+                <a16:creationId xmlns:a16="http://schemas.microsoft.com/office/drawing/2014/main" id="{E9271C28-7496-4447-8541-7B39F5E9480A}"/>
+              </a:ext>
+              <a:ext uri="{C183D7F6-B498-43B3-948B-1728B52AA6E4}">
+                <adec:decorative xmlns:adec="http://schemas.microsoft.com/office/drawing/2017/decorative" val="1"/>
+              </a:ext>
+            </a:extLst>
+          </p:cNvPr>
+          <p:cNvSpPr>
+            <a:spLocks noGrp="1" noRot="1" noChangeAspect="1" noMove="1" noResize="1" noEditPoints="1" noAdjustHandles="1" noChangeArrowheads="1" noChangeShapeType="1" noTextEdit="1"/>
+          </p:cNvSpPr>
+          <p:nvPr>
+            <p:extLst>
+              <p:ext uri="{386F3935-93C4-4BCD-93E2-E3B085C9AB24}">
+                <p16:designElem xmlns:p16="http://schemas.microsoft.com/office/powerpoint/2015/main" val="1"/>
+              </p:ext>
+            </p:extLst>
+          </p:nvPr>
+        </p:nvSpPr>
+        <p:spPr>
+          <a:xfrm>
+            <a:off x="231140" y="243840"/>
+            <a:ext cx="11724640" cy="6377939"/>
+          </a:xfrm>
+          <a:prstGeom prst="rect">
+            <a:avLst/>
+          </a:prstGeom>
+          <a:solidFill>
+            <a:schemeClr val="bg1"/>
+          </a:solidFill>
+          <a:ln w="12700">
+            <a:noFill/>
+          </a:ln>
+        </p:spPr>
+        <p:style>
+          <a:lnRef idx="2">
+            <a:schemeClr val="accent1">
+              <a:shade val="50000"/>
+            </a:schemeClr>
+          </a:lnRef>
+          <a:fillRef idx="1">
+            <a:schemeClr val="accent1"/>
+          </a:fillRef>
+          <a:effectRef idx="0">
+            <a:schemeClr val="accent1"/>
+          </a:effectRef>
+          <a:fontRef idx="minor">
+            <a:schemeClr val="lt1"/>
+          </a:fontRef>
+        </p:style>
+        <p:txBody>
+          <a:bodyPr/>
+          <a:lstStyle/>
+          <a:p>
+            <a:endParaRPr lang="ko-KR" altLang="en-US"/>
+          </a:p>
+        </p:txBody>
+      </p:sp>
+      <p:pic>
+        <p:nvPicPr>
+          <p:cNvPr id="3" name="내용 개체 틀 2">
+            <a:extLst>
+              <a:ext uri="{FF2B5EF4-FFF2-40B4-BE49-F238E27FC236}">
+                <a16:creationId xmlns:a16="http://schemas.microsoft.com/office/drawing/2014/main" id="{8F52D7C4-F160-E733-5AF6-7AF07503D852}"/>
+              </a:ext>
+            </a:extLst>
+          </p:cNvPr>
+          <p:cNvPicPr>
+            <a:picLocks noChangeAspect="1"/>
+          </p:cNvPicPr>
+          <p:nvPr/>
+        </p:nvPicPr>
+        <p:blipFill>
+          <a:blip r:embed="rId2"/>
+          <a:stretch>
+            <a:fillRect/>
+          </a:stretch>
+        </p:blipFill>
+        <p:spPr>
+          <a:xfrm>
+            <a:off x="872064" y="1413222"/>
+            <a:ext cx="4593715" cy="4029574"/>
+          </a:xfrm>
+          <a:prstGeom prst="rect">
+            <a:avLst/>
+          </a:prstGeom>
+        </p:spPr>
+      </p:pic>
+      <p:sp>
+        <p:nvSpPr>
+          <p:cNvPr id="7" name="Content Placeholder 6">
+            <a:extLst>
+              <a:ext uri="{FF2B5EF4-FFF2-40B4-BE49-F238E27FC236}">
+                <a16:creationId xmlns:a16="http://schemas.microsoft.com/office/drawing/2014/main" id="{03962CB3-E5D9-B8BE-15F9-28460364AA27}"/>
+              </a:ext>
+            </a:extLst>
+          </p:cNvPr>
+          <p:cNvSpPr>
+            <a:spLocks noGrp="1"/>
+          </p:cNvSpPr>
+          <p:nvPr>
+            <p:ph idx="1"/>
+          </p:nvPr>
+        </p:nvSpPr>
+        <p:spPr>
+          <a:xfrm>
+            <a:off x="6106703" y="2057400"/>
+            <a:ext cx="5364444" cy="4038600"/>
+          </a:xfrm>
+        </p:spPr>
+        <p:txBody>
+          <a:bodyPr>
+            <a:normAutofit/>
+          </a:bodyPr>
+          <a:lstStyle/>
+          <a:p>
+            <a:r>
+              <a:rPr lang="en-US" dirty="0"/>
+              <a:t>Rider IDE</a:t>
+            </a:r>
+            <a:r>
+              <a:rPr lang="ko-KR" altLang="en-US" dirty="0"/>
+              <a:t>에서 </a:t>
+            </a:r>
+            <a:r>
+              <a:rPr lang="en-US" altLang="ko-KR" dirty="0"/>
+              <a:t>DB</a:t>
+            </a:r>
+            <a:r>
+              <a:rPr lang="ko-KR" altLang="en-US" dirty="0"/>
+              <a:t>에 접속이 된 것을 확인할 수 있습니다</a:t>
+            </a:r>
+            <a:r>
+              <a:rPr lang="en-US" altLang="ko-KR" dirty="0"/>
+              <a:t>.</a:t>
+            </a:r>
+            <a:endParaRPr lang="en-US" dirty="0"/>
+          </a:p>
+        </p:txBody>
+      </p:sp>
+    </p:spTree>
+    <p:extLst>
+      <p:ext uri="{BB962C8B-B14F-4D97-AF65-F5344CB8AC3E}">
+        <p14:creationId xmlns:p14="http://schemas.microsoft.com/office/powerpoint/2010/main" val="492164082"/>
+      </p:ext>
+    </p:extLst>
+  </p:cSld>
+  <p:clrMapOvr>
+    <a:masterClrMapping/>
+  </p:clrMapOvr>
+</p:sld>
+</file>
+
+<file path=ppt/slides/slide14.xml><?xml version="1.0" encoding="utf-8"?>
+<p:sld xmlns:a="http://schemas.openxmlformats.org/drawingml/2006/main" xmlns:r="http://schemas.openxmlformats.org/officeDocument/2006/relationships" xmlns:p="http://schemas.openxmlformats.org/presentationml/2006/main">
+  <p:cSld>
+    <p:spTree>
+      <p:nvGrpSpPr>
+        <p:cNvPr id="1" name=""/>
+        <p:cNvGrpSpPr/>
+        <p:nvPr/>
+      </p:nvGrpSpPr>
+      <p:grpSpPr>
+        <a:xfrm>
+          <a:off x="0" y="0"/>
+          <a:ext cx="0" cy="0"/>
+          <a:chOff x="0" y="0"/>
+          <a:chExt cx="0" cy="0"/>
+        </a:xfrm>
+      </p:grpSpPr>
+      <p:sp>
+        <p:nvSpPr>
+          <p:cNvPr id="4" name="내용 개체 틀 2">
+            <a:extLst>
+              <a:ext uri="{FF2B5EF4-FFF2-40B4-BE49-F238E27FC236}">
+                <a16:creationId xmlns:a16="http://schemas.microsoft.com/office/drawing/2014/main" id="{970A10C5-73BA-EB58-23FA-46D8E79C00CC}"/>
+              </a:ext>
+            </a:extLst>
+          </p:cNvPr>
+          <p:cNvSpPr>
+            <a:spLocks noGrp="1"/>
+          </p:cNvSpPr>
+          <p:nvPr>
+            <p:ph idx="1"/>
+          </p:nvPr>
+        </p:nvSpPr>
+        <p:spPr>
+          <a:xfrm>
+            <a:off x="5300410" y="2183985"/>
+            <a:ext cx="5280503" cy="3023741"/>
+          </a:xfrm>
+        </p:spPr>
+        <p:txBody>
+          <a:bodyPr>
+            <a:normAutofit/>
+          </a:bodyPr>
+          <a:lstStyle/>
+          <a:p>
+            <a:pPr>
+              <a:lnSpc>
+                <a:spcPct val="150000"/>
+              </a:lnSpc>
+            </a:pPr>
+            <a:r>
+              <a:rPr lang="ko-KR" altLang="en-US" dirty="0"/>
+              <a:t>좌측 소스코드는 </a:t>
+            </a:r>
+            <a:r>
+              <a:rPr lang="en-US" altLang="ko-KR" dirty="0" err="1"/>
+              <a:t>initUserScene</a:t>
+            </a:r>
+            <a:r>
+              <a:rPr lang="ko-KR" altLang="en-US" dirty="0"/>
+              <a:t>에서 사용되는 </a:t>
+            </a:r>
+            <a:r>
+              <a:rPr lang="en-US" altLang="ko-KR" dirty="0"/>
+              <a:t>SQLite </a:t>
+            </a:r>
+            <a:r>
+              <a:rPr lang="ko-KR" altLang="en-US" dirty="0"/>
+              <a:t>예제입니다</a:t>
+            </a:r>
+            <a:r>
+              <a:rPr lang="en-US" altLang="ko-KR" dirty="0"/>
+              <a:t>.</a:t>
+            </a:r>
+          </a:p>
+          <a:p>
+            <a:pPr>
+              <a:lnSpc>
+                <a:spcPct val="150000"/>
+              </a:lnSpc>
+            </a:pPr>
+            <a:r>
+              <a:rPr lang="en-US" altLang="ko-KR" dirty="0" err="1"/>
+              <a:t>nameField</a:t>
+            </a:r>
+            <a:r>
+              <a:rPr lang="ko-KR" altLang="en-US" dirty="0"/>
+              <a:t>와 </a:t>
+            </a:r>
+            <a:r>
+              <a:rPr lang="en-US" altLang="ko-KR" dirty="0" err="1"/>
+              <a:t>dropDown</a:t>
+            </a:r>
+            <a:r>
+              <a:rPr lang="ko-KR" altLang="en-US" dirty="0"/>
+              <a:t>에서 값을 받아와 </a:t>
+            </a:r>
+            <a:r>
+              <a:rPr lang="en-US" altLang="ko-KR" dirty="0"/>
+              <a:t>DB</a:t>
+            </a:r>
+            <a:r>
+              <a:rPr lang="ko-KR" altLang="en-US" dirty="0"/>
+              <a:t>에 입력하고 </a:t>
+            </a:r>
+            <a:r>
+              <a:rPr lang="en-US" altLang="ko-KR" dirty="0" err="1"/>
+              <a:t>MainLevelScene</a:t>
+            </a:r>
+            <a:r>
+              <a:rPr lang="ko-KR" altLang="en-US" dirty="0"/>
+              <a:t>을 </a:t>
+            </a:r>
+            <a:r>
+              <a:rPr lang="ko-KR" altLang="en-US" dirty="0" err="1"/>
+              <a:t>로드하는</a:t>
+            </a:r>
+            <a:r>
+              <a:rPr lang="ko-KR" altLang="en-US" dirty="0"/>
+              <a:t> 구문입니다</a:t>
+            </a:r>
+            <a:r>
+              <a:rPr lang="en-US" altLang="ko-KR" dirty="0"/>
+              <a:t>.</a:t>
+            </a:r>
+            <a:endParaRPr lang="ko-KR" altLang="en-US" dirty="0"/>
+          </a:p>
+        </p:txBody>
+      </p:sp>
+      <p:pic>
+        <p:nvPicPr>
+          <p:cNvPr id="6" name="그림 5">
+            <a:extLst>
+              <a:ext uri="{FF2B5EF4-FFF2-40B4-BE49-F238E27FC236}">
+                <a16:creationId xmlns:a16="http://schemas.microsoft.com/office/drawing/2014/main" id="{39545150-FC27-8BEC-67F7-153D0E853D41}"/>
+              </a:ext>
+            </a:extLst>
+          </p:cNvPr>
+          <p:cNvPicPr>
+            <a:picLocks noChangeAspect="1"/>
+          </p:cNvPicPr>
+          <p:nvPr/>
+        </p:nvPicPr>
+        <p:blipFill rotWithShape="1">
+          <a:blip r:embed="rId2"/>
+          <a:srcRect r="20675" b="1555"/>
+          <a:stretch/>
+        </p:blipFill>
+        <p:spPr>
+          <a:xfrm>
+            <a:off x="233661" y="229755"/>
+            <a:ext cx="4431645" cy="3805320"/>
+          </a:xfrm>
+          <a:prstGeom prst="rect">
+            <a:avLst/>
+          </a:prstGeom>
+        </p:spPr>
+      </p:pic>
+      <p:pic>
+        <p:nvPicPr>
+          <p:cNvPr id="8" name="그림 7">
+            <a:extLst>
+              <a:ext uri="{FF2B5EF4-FFF2-40B4-BE49-F238E27FC236}">
+                <a16:creationId xmlns:a16="http://schemas.microsoft.com/office/drawing/2014/main" id="{D9FB2CA8-38C4-AFA6-7AC6-18915910123E}"/>
+              </a:ext>
+            </a:extLst>
+          </p:cNvPr>
+          <p:cNvPicPr>
+            <a:picLocks noChangeAspect="1"/>
+          </p:cNvPicPr>
+          <p:nvPr/>
+        </p:nvPicPr>
+        <p:blipFill rotWithShape="1">
+          <a:blip r:embed="rId3"/>
+          <a:srcRect t="3730" r="20675"/>
+          <a:stretch/>
+        </p:blipFill>
+        <p:spPr>
+          <a:xfrm>
+            <a:off x="233660" y="4023424"/>
+            <a:ext cx="4431645" cy="2604821"/>
+          </a:xfrm>
+          <a:prstGeom prst="rect">
+            <a:avLst/>
+          </a:prstGeom>
+        </p:spPr>
+      </p:pic>
+    </p:spTree>
+    <p:extLst>
+      <p:ext uri="{BB962C8B-B14F-4D97-AF65-F5344CB8AC3E}">
+        <p14:creationId xmlns:p14="http://schemas.microsoft.com/office/powerpoint/2010/main" val="41764744"/>
+      </p:ext>
+    </p:extLst>
+  </p:cSld>
+  <p:clrMapOvr>
+    <a:masterClrMapping/>
+  </p:clrMapOvr>
+</p:sld>
+</file>
+
+<file path=ppt/slides/slide15.xml><?xml version="1.0" encoding="utf-8"?>
+<p:sld xmlns:a="http://schemas.openxmlformats.org/drawingml/2006/main" xmlns:r="http://schemas.openxmlformats.org/officeDocument/2006/relationships" xmlns:p="http://schemas.openxmlformats.org/presentationml/2006/main">
+  <p:cSld>
+    <p:spTree>
+      <p:nvGrpSpPr>
+        <p:cNvPr id="1" name=""/>
+        <p:cNvGrpSpPr/>
+        <p:nvPr/>
+      </p:nvGrpSpPr>
+      <p:grpSpPr>
+        <a:xfrm>
+          <a:off x="0" y="0"/>
+          <a:ext cx="0" cy="0"/>
+          <a:chOff x="0" y="0"/>
+          <a:chExt cx="0" cy="0"/>
+        </a:xfrm>
+      </p:grpSpPr>
+      <p:sp>
+        <p:nvSpPr>
+          <p:cNvPr id="4" name="내용 개체 틀 2">
+            <a:extLst>
+              <a:ext uri="{FF2B5EF4-FFF2-40B4-BE49-F238E27FC236}">
+                <a16:creationId xmlns:a16="http://schemas.microsoft.com/office/drawing/2014/main" id="{970A10C5-73BA-EB58-23FA-46D8E79C00CC}"/>
+              </a:ext>
+            </a:extLst>
+          </p:cNvPr>
+          <p:cNvSpPr>
+            <a:spLocks noGrp="1"/>
+          </p:cNvSpPr>
+          <p:nvPr>
+            <p:ph idx="1"/>
+          </p:nvPr>
+        </p:nvSpPr>
+        <p:spPr>
+          <a:xfrm>
+            <a:off x="746620" y="696286"/>
+            <a:ext cx="10269251" cy="5399714"/>
+          </a:xfrm>
+        </p:spPr>
+        <p:txBody>
+          <a:bodyPr/>
+          <a:lstStyle/>
+          <a:p>
+            <a:endParaRPr lang="ko-KR" altLang="en-US" dirty="0"/>
+          </a:p>
+        </p:txBody>
+      </p:sp>
+    </p:spTree>
+    <p:extLst>
+      <p:ext uri="{BB962C8B-B14F-4D97-AF65-F5344CB8AC3E}">
+        <p14:creationId xmlns:p14="http://schemas.microsoft.com/office/powerpoint/2010/main" val="2276160920"/>
       </p:ext>
     </p:extLst>
   </p:cSld>
@@ -3479,7 +4922,7 @@
             </a:r>
             <a:r>
               <a:rPr lang="ko-KR" altLang="en-US" dirty="0"/>
-              <a:t>공식 홈페이지에서 해당 파일을 다운로드한다</a:t>
+              <a:t>공식 홈페이지에서 해당 파일을 다운로드합니다</a:t>
             </a:r>
             <a:r>
               <a:rPr lang="en-US" altLang="ko-KR" dirty="0"/>
@@ -3587,6 +5030,14 @@
 <file path=ppt/slides/slide3.xml><?xml version="1.0" encoding="utf-8"?>
 <p:sld xmlns:a="http://schemas.openxmlformats.org/drawingml/2006/main" xmlns:r="http://schemas.openxmlformats.org/officeDocument/2006/relationships" xmlns:p="http://schemas.openxmlformats.org/presentationml/2006/main">
   <p:cSld>
+    <p:bg>
+      <p:bgPr>
+        <a:solidFill>
+          <a:schemeClr val="accent1"/>
+        </a:solidFill>
+        <a:effectLst/>
+      </p:bgPr>
+    </p:bg>
     <p:spTree>
       <p:nvGrpSpPr>
         <p:cNvPr id="1" name=""/>
@@ -3603,61 +5054,63 @@
       </p:grpSpPr>
       <p:sp>
         <p:nvSpPr>
-          <p:cNvPr id="4" name="내용 개체 틀 2">
+          <p:cNvPr id="13" name="Rectangle 10">
             <a:extLst>
               <a:ext uri="{FF2B5EF4-FFF2-40B4-BE49-F238E27FC236}">
-                <a16:creationId xmlns:a16="http://schemas.microsoft.com/office/drawing/2014/main" id="{970A10C5-73BA-EB58-23FA-46D8E79C00CC}"/>
+                <a16:creationId xmlns:a16="http://schemas.microsoft.com/office/drawing/2014/main" id="{E9271C28-7496-4447-8541-7B39F5E9480A}"/>
+              </a:ext>
+              <a:ext uri="{C183D7F6-B498-43B3-948B-1728B52AA6E4}">
+                <adec:decorative xmlns:adec="http://schemas.microsoft.com/office/drawing/2017/decorative" val="1"/>
               </a:ext>
             </a:extLst>
           </p:cNvPr>
           <p:cNvSpPr>
-            <a:spLocks noGrp="1"/>
-          </p:cNvSpPr>
-          <p:nvPr>
-            <p:ph idx="1"/>
-          </p:nvPr>
-        </p:nvSpPr>
-        <p:spPr>
-          <a:xfrm>
-            <a:off x="746620" y="696286"/>
-            <a:ext cx="11073468" cy="5399714"/>
-          </a:xfrm>
-        </p:spPr>
+            <a:spLocks noGrp="1" noRot="1" noChangeAspect="1" noMove="1" noResize="1" noEditPoints="1" noAdjustHandles="1" noChangeArrowheads="1" noChangeShapeType="1" noTextEdit="1"/>
+          </p:cNvSpPr>
+          <p:nvPr>
+            <p:extLst>
+              <p:ext uri="{386F3935-93C4-4BCD-93E2-E3B085C9AB24}">
+                <p16:designElem xmlns:p16="http://schemas.microsoft.com/office/powerpoint/2015/main" val="1"/>
+              </p:ext>
+            </p:extLst>
+          </p:nvPr>
+        </p:nvSpPr>
+        <p:spPr>
+          <a:xfrm>
+            <a:off x="231140" y="243840"/>
+            <a:ext cx="11724640" cy="6377939"/>
+          </a:xfrm>
+          <a:prstGeom prst="rect">
+            <a:avLst/>
+          </a:prstGeom>
+          <a:solidFill>
+            <a:schemeClr val="bg1"/>
+          </a:solidFill>
+          <a:ln w="12700">
+            <a:noFill/>
+          </a:ln>
+        </p:spPr>
+        <p:style>
+          <a:lnRef idx="2">
+            <a:schemeClr val="accent1">
+              <a:shade val="50000"/>
+            </a:schemeClr>
+          </a:lnRef>
+          <a:fillRef idx="1">
+            <a:schemeClr val="accent1"/>
+          </a:fillRef>
+          <a:effectRef idx="0">
+            <a:schemeClr val="accent1"/>
+          </a:effectRef>
+          <a:fontRef idx="minor">
+            <a:schemeClr val="lt1"/>
+          </a:fontRef>
+        </p:style>
         <p:txBody>
           <a:bodyPr/>
           <a:lstStyle/>
           <a:p>
-            <a:r>
-              <a:rPr lang="en-US" altLang="ko-KR" dirty="0"/>
-              <a:t>C:\Program Files\Unity\Hub\Editor\2022.3.21f1\Editor\Data\</a:t>
-            </a:r>
-            <a:r>
-              <a:rPr lang="en-US" altLang="ko-KR" dirty="0" err="1"/>
-              <a:t>MonoBleedingEdge</a:t>
-            </a:r>
-            <a:r>
-              <a:rPr lang="en-US" altLang="ko-KR" dirty="0"/>
-              <a:t>\lib\mono\4.5</a:t>
-            </a:r>
-          </a:p>
-          <a:p>
-            <a:r>
-              <a:rPr lang="ko-KR" altLang="en-US" dirty="0"/>
-              <a:t>유니티 설치 경로를 따로 지정하지 않았다면 위 경로에서 </a:t>
-            </a:r>
-            <a:r>
-              <a:rPr lang="en-US" altLang="ko-KR" dirty="0"/>
-              <a:t>Mono.Data.Sqlite.dll </a:t>
-            </a:r>
-            <a:r>
-              <a:rPr lang="ko-KR" altLang="en-US" dirty="0"/>
-              <a:t>을 복사하여 위에서 받은 파일과 같은 폴더에 넣어둔다</a:t>
-            </a:r>
-            <a:r>
-              <a:rPr lang="en-US" altLang="ko-KR" dirty="0"/>
-              <a:t>.</a:t>
-            </a:r>
-            <a:endParaRPr lang="ko-KR" altLang="en-US" dirty="0"/>
+            <a:endParaRPr lang="ko-KR" altLang="en-US"/>
           </a:p>
         </p:txBody>
       </p:sp>
@@ -3683,8 +5136,8 @@
         </p:blipFill>
         <p:spPr>
           <a:xfrm>
-            <a:off x="1033517" y="2056917"/>
-            <a:ext cx="4486576" cy="3286869"/>
+            <a:off x="872064" y="1745330"/>
+            <a:ext cx="4593715" cy="3365359"/>
           </a:xfrm>
           <a:prstGeom prst="rect">
             <a:avLst/>
@@ -3693,7 +5146,79 @@
       </p:pic>
       <p:sp>
         <p:nvSpPr>
-          <p:cNvPr id="7" name="직사각형 6">
+          <p:cNvPr id="4" name="내용 개체 틀 2">
+            <a:extLst>
+              <a:ext uri="{FF2B5EF4-FFF2-40B4-BE49-F238E27FC236}">
+                <a16:creationId xmlns:a16="http://schemas.microsoft.com/office/drawing/2014/main" id="{970A10C5-73BA-EB58-23FA-46D8E79C00CC}"/>
+              </a:ext>
+            </a:extLst>
+          </p:cNvPr>
+          <p:cNvSpPr>
+            <a:spLocks noGrp="1"/>
+          </p:cNvSpPr>
+          <p:nvPr>
+            <p:ph idx="1"/>
+          </p:nvPr>
+        </p:nvSpPr>
+        <p:spPr>
+          <a:xfrm>
+            <a:off x="6106703" y="1408708"/>
+            <a:ext cx="5364444" cy="4038600"/>
+          </a:xfrm>
+        </p:spPr>
+        <p:txBody>
+          <a:bodyPr>
+            <a:normAutofit/>
+          </a:bodyPr>
+          <a:lstStyle/>
+          <a:p>
+            <a:pPr>
+              <a:lnSpc>
+                <a:spcPct val="150000"/>
+              </a:lnSpc>
+            </a:pPr>
+            <a:r>
+              <a:rPr lang="en-US" altLang="ko-KR" dirty="0"/>
+              <a:t>C:\Program Files\Unity\Hub\Editor\2022.3.21f1\Editor\Data\</a:t>
+            </a:r>
+            <a:r>
+              <a:rPr lang="en-US" altLang="ko-KR" dirty="0" err="1"/>
+              <a:t>MonoBleedingEdge</a:t>
+            </a:r>
+            <a:r>
+              <a:rPr lang="en-US" altLang="ko-KR" dirty="0"/>
+              <a:t>\lib\mono\4.5</a:t>
+            </a:r>
+          </a:p>
+          <a:p>
+            <a:pPr>
+              <a:lnSpc>
+                <a:spcPct val="150000"/>
+              </a:lnSpc>
+            </a:pPr>
+            <a:r>
+              <a:rPr lang="ko-KR" altLang="en-US" dirty="0"/>
+              <a:t>유니티 설치 경로를 따로 지정하지 않았다면 위 경로에서 </a:t>
+            </a:r>
+            <a:r>
+              <a:rPr lang="en-US" altLang="ko-KR" dirty="0"/>
+              <a:t>Mono.Data.Sqlite.dll </a:t>
+            </a:r>
+            <a:r>
+              <a:rPr lang="ko-KR" altLang="en-US" dirty="0"/>
+              <a:t>을 복사하여 위에서 받은 파일과 같은 폴더에 넣어둡니다</a:t>
+            </a:r>
+            <a:r>
+              <a:rPr lang="en-US" altLang="ko-KR" dirty="0"/>
+              <a:t>.</a:t>
+            </a:r>
+            <a:endParaRPr lang="ko-KR" altLang="en-US" dirty="0"/>
+          </a:p>
+        </p:txBody>
+      </p:sp>
+      <p:sp>
+        <p:nvSpPr>
+          <p:cNvPr id="2" name="직사각형 1">
             <a:extLst>
               <a:ext uri="{FF2B5EF4-FFF2-40B4-BE49-F238E27FC236}">
                 <a16:creationId xmlns:a16="http://schemas.microsoft.com/office/drawing/2014/main" id="{F5C695EE-93B7-F568-0395-9BFEDA729CDD}"/>
@@ -3705,7 +5230,7 @@
         </p:nvSpPr>
         <p:spPr>
           <a:xfrm>
-            <a:off x="1157681" y="3429000"/>
+            <a:off x="1111027" y="3192068"/>
             <a:ext cx="2424418" cy="471881"/>
           </a:xfrm>
           <a:prstGeom prst="rect">
@@ -3759,6 +5284,14 @@
 <file path=ppt/slides/slide4.xml><?xml version="1.0" encoding="utf-8"?>
 <p:sld xmlns:a="http://schemas.openxmlformats.org/drawingml/2006/main" xmlns:r="http://schemas.openxmlformats.org/officeDocument/2006/relationships" xmlns:p="http://schemas.openxmlformats.org/presentationml/2006/main">
   <p:cSld>
+    <p:bg>
+      <p:bgPr>
+        <a:solidFill>
+          <a:schemeClr val="accent1"/>
+        </a:solidFill>
+        <a:effectLst/>
+      </p:bgPr>
+    </p:bg>
     <p:spTree>
       <p:nvGrpSpPr>
         <p:cNvPr id="1" name=""/>
@@ -3775,6 +5308,130 @@
       </p:grpSpPr>
       <p:sp>
         <p:nvSpPr>
+          <p:cNvPr id="11" name="Rectangle 10">
+            <a:extLst>
+              <a:ext uri="{FF2B5EF4-FFF2-40B4-BE49-F238E27FC236}">
+                <a16:creationId xmlns:a16="http://schemas.microsoft.com/office/drawing/2014/main" id="{96033C54-130E-47B2-AED6-625156FBA730}"/>
+              </a:ext>
+              <a:ext uri="{C183D7F6-B498-43B3-948B-1728B52AA6E4}">
+                <adec:decorative xmlns:adec="http://schemas.microsoft.com/office/drawing/2017/decorative" val="1"/>
+              </a:ext>
+            </a:extLst>
+          </p:cNvPr>
+          <p:cNvSpPr>
+            <a:spLocks noGrp="1" noRot="1" noChangeAspect="1" noMove="1" noResize="1" noEditPoints="1" noAdjustHandles="1" noChangeArrowheads="1" noChangeShapeType="1" noTextEdit="1"/>
+          </p:cNvSpPr>
+          <p:nvPr>
+            <p:extLst>
+              <p:ext uri="{386F3935-93C4-4BCD-93E2-E3B085C9AB24}">
+                <p16:designElem xmlns:p16="http://schemas.microsoft.com/office/powerpoint/2015/main" val="1"/>
+              </p:ext>
+            </p:extLst>
+          </p:nvPr>
+        </p:nvSpPr>
+        <p:spPr>
+          <a:xfrm>
+            <a:off x="231140" y="243840"/>
+            <a:ext cx="11724640" cy="6377939"/>
+          </a:xfrm>
+          <a:prstGeom prst="rect">
+            <a:avLst/>
+          </a:prstGeom>
+          <a:solidFill>
+            <a:schemeClr val="bg1"/>
+          </a:solidFill>
+          <a:ln w="12700">
+            <a:noFill/>
+          </a:ln>
+        </p:spPr>
+        <p:style>
+          <a:lnRef idx="2">
+            <a:schemeClr val="accent1">
+              <a:shade val="50000"/>
+            </a:schemeClr>
+          </a:lnRef>
+          <a:fillRef idx="1">
+            <a:schemeClr val="accent1"/>
+          </a:fillRef>
+          <a:effectRef idx="0">
+            <a:schemeClr val="accent1"/>
+          </a:effectRef>
+          <a:fontRef idx="minor">
+            <a:schemeClr val="lt1"/>
+          </a:fontRef>
+        </p:style>
+        <p:txBody>
+          <a:bodyPr/>
+          <a:lstStyle/>
+          <a:p>
+            <a:endParaRPr lang="ko-KR" altLang="en-US"/>
+          </a:p>
+        </p:txBody>
+      </p:sp>
+      <p:sp>
+        <p:nvSpPr>
+          <p:cNvPr id="13" name="Rectangle 12">
+            <a:extLst>
+              <a:ext uri="{FF2B5EF4-FFF2-40B4-BE49-F238E27FC236}">
+                <a16:creationId xmlns:a16="http://schemas.microsoft.com/office/drawing/2014/main" id="{A4242FE5-C72F-4A84-8716-823E31865754}"/>
+              </a:ext>
+              <a:ext uri="{C183D7F6-B498-43B3-948B-1728B52AA6E4}">
+                <adec:decorative xmlns:adec="http://schemas.microsoft.com/office/drawing/2017/decorative" val="1"/>
+              </a:ext>
+            </a:extLst>
+          </p:cNvPr>
+          <p:cNvSpPr>
+            <a:spLocks noGrp="1" noRot="1" noChangeAspect="1" noMove="1" noResize="1" noEditPoints="1" noAdjustHandles="1" noChangeArrowheads="1" noChangeShapeType="1" noTextEdit="1"/>
+          </p:cNvSpPr>
+          <p:nvPr>
+            <p:extLst>
+              <p:ext uri="{386F3935-93C4-4BCD-93E2-E3B085C9AB24}">
+                <p16:designElem xmlns:p16="http://schemas.microsoft.com/office/powerpoint/2015/main" val="1"/>
+              </p:ext>
+            </p:extLst>
+          </p:nvPr>
+        </p:nvSpPr>
+        <p:spPr>
+          <a:xfrm>
+            <a:off x="231139" y="243840"/>
+            <a:ext cx="7327423" cy="6377939"/>
+          </a:xfrm>
+          <a:prstGeom prst="rect">
+            <a:avLst/>
+          </a:prstGeom>
+          <a:solidFill>
+            <a:schemeClr val="accent1"/>
+          </a:solidFill>
+          <a:ln w="12700">
+            <a:noFill/>
+          </a:ln>
+        </p:spPr>
+        <p:style>
+          <a:lnRef idx="2">
+            <a:schemeClr val="accent1">
+              <a:shade val="50000"/>
+            </a:schemeClr>
+          </a:lnRef>
+          <a:fillRef idx="1">
+            <a:schemeClr val="accent1"/>
+          </a:fillRef>
+          <a:effectRef idx="0">
+            <a:schemeClr val="accent1"/>
+          </a:effectRef>
+          <a:fontRef idx="minor">
+            <a:schemeClr val="lt1"/>
+          </a:fontRef>
+        </p:style>
+        <p:txBody>
+          <a:bodyPr/>
+          <a:lstStyle/>
+          <a:p>
+            <a:endParaRPr lang="ko-KR" altLang="en-US"/>
+          </a:p>
+        </p:txBody>
+      </p:sp>
+      <p:sp>
+        <p:nvSpPr>
           <p:cNvPr id="4" name="내용 개체 틀 2">
             <a:extLst>
               <a:ext uri="{FF2B5EF4-FFF2-40B4-BE49-F238E27FC236}">
@@ -3791,61 +5448,193 @@
         </p:nvSpPr>
         <p:spPr>
           <a:xfrm>
-            <a:off x="746620" y="696286"/>
-            <a:ext cx="10269251" cy="5399714"/>
-          </a:xfrm>
-        </p:spPr>
+            <a:off x="7888731" y="2057400"/>
+            <a:ext cx="3582416" cy="4038600"/>
+          </a:xfrm>
+        </p:spPr>
+        <p:txBody>
+          <a:bodyPr>
+            <a:normAutofit/>
+          </a:bodyPr>
+          <a:lstStyle/>
+          <a:p>
+            <a:pPr>
+              <a:lnSpc>
+                <a:spcPct val="150000"/>
+              </a:lnSpc>
+            </a:pPr>
+            <a:r>
+              <a:rPr lang="ko-KR" altLang="en-US" sz="1800" dirty="0"/>
+              <a:t>다운로드 받은 </a:t>
+            </a:r>
+            <a:r>
+              <a:rPr lang="en-US" altLang="ko-KR" sz="1800" dirty="0"/>
+              <a:t>3 </a:t>
+            </a:r>
+            <a:r>
+              <a:rPr lang="ko-KR" altLang="en-US" sz="1800" dirty="0"/>
+              <a:t>개의 파일이 들어있는 폴더를 </a:t>
+            </a:r>
+            <a:r>
+              <a:rPr lang="en-US" altLang="ko-KR" sz="1800" dirty="0" err="1"/>
+              <a:t>UnityEditer</a:t>
+            </a:r>
+            <a:r>
+              <a:rPr lang="ko-KR" altLang="en-US" sz="1800" dirty="0"/>
+              <a:t>의 </a:t>
+            </a:r>
+            <a:r>
+              <a:rPr lang="en-US" altLang="ko-KR" sz="1800" dirty="0"/>
+              <a:t>Asset – Plugin </a:t>
+            </a:r>
+            <a:r>
+              <a:rPr lang="ko-KR" altLang="en-US" sz="1800" dirty="0"/>
+              <a:t>폴더에 드래그 앤 </a:t>
+            </a:r>
+            <a:r>
+              <a:rPr lang="ko-KR" altLang="en-US" sz="1800" dirty="0" err="1"/>
+              <a:t>드롭하여</a:t>
+            </a:r>
+            <a:r>
+              <a:rPr lang="ko-KR" altLang="en-US" sz="1800" dirty="0"/>
+              <a:t> 복사하면 자동으로 세팅이 완료됩니다</a:t>
+            </a:r>
+            <a:r>
+              <a:rPr lang="en-US" altLang="ko-KR" sz="1800" dirty="0"/>
+              <a:t>.</a:t>
+            </a:r>
+            <a:endParaRPr lang="ko-KR" altLang="en-US" sz="1800" dirty="0"/>
+          </a:p>
+        </p:txBody>
+      </p:sp>
+      <p:sp>
+        <p:nvSpPr>
+          <p:cNvPr id="15" name="Rectangle 14">
+            <a:extLst>
+              <a:ext uri="{FF2B5EF4-FFF2-40B4-BE49-F238E27FC236}">
+                <a16:creationId xmlns:a16="http://schemas.microsoft.com/office/drawing/2014/main" id="{18CB9ED3-F084-4F4D-A18E-3FEB1520129E}"/>
+              </a:ext>
+              <a:ext uri="{C183D7F6-B498-43B3-948B-1728B52AA6E4}">
+                <adec:decorative xmlns:adec="http://schemas.microsoft.com/office/drawing/2017/decorative" val="1"/>
+              </a:ext>
+            </a:extLst>
+          </p:cNvPr>
+          <p:cNvSpPr>
+            <a:spLocks noGrp="1" noRot="1" noChangeAspect="1" noMove="1" noResize="1" noEditPoints="1" noAdjustHandles="1" noChangeArrowheads="1" noChangeShapeType="1" noTextEdit="1"/>
+          </p:cNvSpPr>
+          <p:nvPr>
+            <p:extLst>
+              <p:ext uri="{386F3935-93C4-4BCD-93E2-E3B085C9AB24}">
+                <p16:designElem xmlns:p16="http://schemas.microsoft.com/office/powerpoint/2015/main" val="1"/>
+              </p:ext>
+            </p:extLst>
+          </p:nvPr>
+        </p:nvSpPr>
+        <p:spPr>
+          <a:xfrm>
+            <a:off x="231140" y="243840"/>
+            <a:ext cx="11724640" cy="6377939"/>
+          </a:xfrm>
+          <a:prstGeom prst="rect">
+            <a:avLst/>
+          </a:prstGeom>
+          <a:noFill/>
+          <a:ln w="12700">
+            <a:solidFill>
+              <a:srgbClr val="FFFFFF"/>
+            </a:solidFill>
+          </a:ln>
+        </p:spPr>
+        <p:style>
+          <a:lnRef idx="2">
+            <a:schemeClr val="accent1">
+              <a:shade val="50000"/>
+            </a:schemeClr>
+          </a:lnRef>
+          <a:fillRef idx="1">
+            <a:schemeClr val="accent1"/>
+          </a:fillRef>
+          <a:effectRef idx="0">
+            <a:schemeClr val="accent1"/>
+          </a:effectRef>
+          <a:fontRef idx="minor">
+            <a:schemeClr val="lt1"/>
+          </a:fontRef>
+        </p:style>
         <p:txBody>
           <a:bodyPr/>
           <a:lstStyle/>
           <a:p>
-            <a:r>
-              <a:rPr lang="ko-KR" altLang="en-US" dirty="0"/>
-              <a:t>다운로드 받은 </a:t>
-            </a:r>
-            <a:r>
-              <a:rPr lang="en-US" altLang="ko-KR" dirty="0"/>
-              <a:t>3 </a:t>
-            </a:r>
-            <a:r>
-              <a:rPr lang="ko-KR" altLang="en-US" dirty="0"/>
-              <a:t>개의 파일이 들어있는 폴더를 </a:t>
-            </a:r>
-            <a:r>
-              <a:rPr lang="en-US" altLang="ko-KR" dirty="0" err="1"/>
-              <a:t>UnityEditer</a:t>
-            </a:r>
-            <a:r>
-              <a:rPr lang="ko-KR" altLang="en-US" dirty="0"/>
-              <a:t>의 </a:t>
-            </a:r>
-            <a:r>
-              <a:rPr lang="en-US" altLang="ko-KR" dirty="0"/>
-              <a:t>Asset – Plugin </a:t>
-            </a:r>
-            <a:r>
-              <a:rPr lang="ko-KR" altLang="en-US" dirty="0"/>
-              <a:t>폴더에 드래그 앤 </a:t>
-            </a:r>
-            <a:r>
-              <a:rPr lang="ko-KR" altLang="en-US" dirty="0" err="1"/>
-              <a:t>드롭하여</a:t>
-            </a:r>
-            <a:r>
-              <a:rPr lang="ko-KR" altLang="en-US" dirty="0"/>
-              <a:t> 복사하면 자동으로 세팅이 완료된다</a:t>
-            </a:r>
-            <a:r>
-              <a:rPr lang="en-US" altLang="ko-KR" dirty="0"/>
-              <a:t>.</a:t>
-            </a:r>
-            <a:endParaRPr lang="ko-KR" altLang="en-US" dirty="0"/>
+            <a:endParaRPr lang="ko-KR" altLang="en-US"/>
+          </a:p>
+        </p:txBody>
+      </p:sp>
+      <p:sp>
+        <p:nvSpPr>
+          <p:cNvPr id="17" name="Rectangle 16">
+            <a:extLst>
+              <a:ext uri="{FF2B5EF4-FFF2-40B4-BE49-F238E27FC236}">
+                <a16:creationId xmlns:a16="http://schemas.microsoft.com/office/drawing/2014/main" id="{39222938-EAF8-4DE0-8FA0-31B5109FCE54}"/>
+              </a:ext>
+              <a:ext uri="{C183D7F6-B498-43B3-948B-1728B52AA6E4}">
+                <adec:decorative xmlns:adec="http://schemas.microsoft.com/office/drawing/2017/decorative" val="1"/>
+              </a:ext>
+            </a:extLst>
+          </p:cNvPr>
+          <p:cNvSpPr>
+            <a:spLocks noGrp="1" noRot="1" noChangeAspect="1" noMove="1" noResize="1" noEditPoints="1" noAdjustHandles="1" noChangeArrowheads="1" noChangeShapeType="1" noTextEdit="1"/>
+          </p:cNvSpPr>
+          <p:nvPr>
+            <p:extLst>
+              <p:ext uri="{386F3935-93C4-4BCD-93E2-E3B085C9AB24}">
+                <p16:designElem xmlns:p16="http://schemas.microsoft.com/office/powerpoint/2015/main" val="1"/>
+              </p:ext>
+            </p:extLst>
+          </p:nvPr>
+        </p:nvSpPr>
+        <p:spPr>
+          <a:xfrm>
+            <a:off x="710692" y="744223"/>
+            <a:ext cx="3422042" cy="3168652"/>
+          </a:xfrm>
+          <a:prstGeom prst="rect">
+            <a:avLst/>
+          </a:prstGeom>
+          <a:solidFill>
+            <a:srgbClr val="FFFFFF"/>
+          </a:solidFill>
+          <a:ln>
+            <a:noFill/>
+          </a:ln>
+        </p:spPr>
+        <p:style>
+          <a:lnRef idx="2">
+            <a:schemeClr val="accent1">
+              <a:shade val="50000"/>
+            </a:schemeClr>
+          </a:lnRef>
+          <a:fillRef idx="1">
+            <a:schemeClr val="accent1"/>
+          </a:fillRef>
+          <a:effectRef idx="0">
+            <a:schemeClr val="accent1"/>
+          </a:effectRef>
+          <a:fontRef idx="minor">
+            <a:schemeClr val="lt1"/>
+          </a:fontRef>
+        </p:style>
+        <p:txBody>
+          <a:bodyPr rtlCol="0" anchor="ctr"/>
+          <a:lstStyle/>
+          <a:p>
+            <a:pPr algn="ctr"/>
+            <a:endParaRPr lang="en-US"/>
           </a:p>
         </p:txBody>
       </p:sp>
       <p:pic>
         <p:nvPicPr>
-          <p:cNvPr id="3" name="그림 2">
+          <p:cNvPr id="3" name="그림 2" descr="텍스트, 스크린샷, 폰트, 번호이(가) 표시된 사진&#10;&#10;자동 생성된 설명">
             <a:extLst>
               <a:ext uri="{FF2B5EF4-FFF2-40B4-BE49-F238E27FC236}">
                 <a16:creationId xmlns:a16="http://schemas.microsoft.com/office/drawing/2014/main" id="{8659488F-0469-B7E4-B342-AE36F3861AA7}"/>
@@ -3865,17 +5654,210 @@
         </p:blipFill>
         <p:spPr>
           <a:xfrm>
-            <a:off x="5607454" y="1909255"/>
-            <a:ext cx="5608405" cy="3409365"/>
+            <a:off x="861034" y="1379808"/>
+            <a:ext cx="3121358" cy="1897482"/>
           </a:xfrm>
           <a:prstGeom prst="rect">
             <a:avLst/>
           </a:prstGeom>
         </p:spPr>
       </p:pic>
+      <p:sp>
+        <p:nvSpPr>
+          <p:cNvPr id="19" name="Rectangle 18">
+            <a:extLst>
+              <a:ext uri="{FF2B5EF4-FFF2-40B4-BE49-F238E27FC236}">
+                <a16:creationId xmlns:a16="http://schemas.microsoft.com/office/drawing/2014/main" id="{B33B1F50-587A-4270-941C-3D03C3891513}"/>
+              </a:ext>
+              <a:ext uri="{C183D7F6-B498-43B3-948B-1728B52AA6E4}">
+                <adec:decorative xmlns:adec="http://schemas.microsoft.com/office/drawing/2017/decorative" val="1"/>
+              </a:ext>
+            </a:extLst>
+          </p:cNvPr>
+          <p:cNvSpPr>
+            <a:spLocks noGrp="1" noRot="1" noChangeAspect="1" noMove="1" noResize="1" noEditPoints="1" noAdjustHandles="1" noChangeArrowheads="1" noChangeShapeType="1" noTextEdit="1"/>
+          </p:cNvSpPr>
+          <p:nvPr>
+            <p:extLst>
+              <p:ext uri="{386F3935-93C4-4BCD-93E2-E3B085C9AB24}">
+                <p16:designElem xmlns:p16="http://schemas.microsoft.com/office/powerpoint/2015/main" val="1"/>
+              </p:ext>
+            </p:extLst>
+          </p:nvPr>
+        </p:nvSpPr>
+        <p:spPr>
+          <a:xfrm>
+            <a:off x="4283075" y="744223"/>
+            <a:ext cx="2790856" cy="2063317"/>
+          </a:xfrm>
+          <a:prstGeom prst="rect">
+            <a:avLst/>
+          </a:prstGeom>
+          <a:solidFill>
+            <a:schemeClr val="accent1">
+              <a:lumMod val="75000"/>
+            </a:schemeClr>
+          </a:solidFill>
+          <a:ln>
+            <a:noFill/>
+          </a:ln>
+        </p:spPr>
+        <p:style>
+          <a:lnRef idx="2">
+            <a:schemeClr val="accent1">
+              <a:shade val="50000"/>
+            </a:schemeClr>
+          </a:lnRef>
+          <a:fillRef idx="1">
+            <a:schemeClr val="accent1"/>
+          </a:fillRef>
+          <a:effectRef idx="0">
+            <a:schemeClr val="accent1"/>
+          </a:effectRef>
+          <a:fontRef idx="minor">
+            <a:schemeClr val="lt1"/>
+          </a:fontRef>
+        </p:style>
+        <p:txBody>
+          <a:bodyPr rtlCol="0" anchor="ctr"/>
+          <a:lstStyle/>
+          <a:p>
+            <a:pPr algn="ctr"/>
+            <a:endParaRPr lang="en-US"/>
+          </a:p>
+        </p:txBody>
+      </p:sp>
+      <p:sp>
+        <p:nvSpPr>
+          <p:cNvPr id="21" name="Rectangle 20">
+            <a:extLst>
+              <a:ext uri="{FF2B5EF4-FFF2-40B4-BE49-F238E27FC236}">
+                <a16:creationId xmlns:a16="http://schemas.microsoft.com/office/drawing/2014/main" id="{62310D42-418C-4ACE-BF95-D8FA7E02C434}"/>
+              </a:ext>
+              <a:ext uri="{C183D7F6-B498-43B3-948B-1728B52AA6E4}">
+                <adec:decorative xmlns:adec="http://schemas.microsoft.com/office/drawing/2017/decorative" val="1"/>
+              </a:ext>
+            </a:extLst>
+          </p:cNvPr>
+          <p:cNvSpPr>
+            <a:spLocks noGrp="1" noRot="1" noChangeAspect="1" noMove="1" noResize="1" noEditPoints="1" noAdjustHandles="1" noChangeArrowheads="1" noChangeShapeType="1" noTextEdit="1"/>
+          </p:cNvSpPr>
+          <p:nvPr>
+            <p:extLst>
+              <p:ext uri="{386F3935-93C4-4BCD-93E2-E3B085C9AB24}">
+                <p16:designElem xmlns:p16="http://schemas.microsoft.com/office/powerpoint/2015/main" val="1"/>
+              </p:ext>
+            </p:extLst>
+          </p:nvPr>
+        </p:nvSpPr>
+        <p:spPr>
+          <a:xfrm>
+            <a:off x="710692" y="4087904"/>
+            <a:ext cx="3422042" cy="2052289"/>
+          </a:xfrm>
+          <a:prstGeom prst="rect">
+            <a:avLst/>
+          </a:prstGeom>
+          <a:solidFill>
+            <a:schemeClr val="accent1">
+              <a:lumMod val="50000"/>
+            </a:schemeClr>
+          </a:solidFill>
+          <a:ln>
+            <a:noFill/>
+          </a:ln>
+        </p:spPr>
+        <p:style>
+          <a:lnRef idx="2">
+            <a:schemeClr val="accent1">
+              <a:shade val="50000"/>
+            </a:schemeClr>
+          </a:lnRef>
+          <a:fillRef idx="1">
+            <a:schemeClr val="accent1"/>
+          </a:fillRef>
+          <a:effectRef idx="0">
+            <a:schemeClr val="accent1"/>
+          </a:effectRef>
+          <a:fontRef idx="minor">
+            <a:schemeClr val="lt1"/>
+          </a:fontRef>
+        </p:style>
+        <p:txBody>
+          <a:bodyPr rtlCol="0" anchor="ctr"/>
+          <a:lstStyle/>
+          <a:p>
+            <a:pPr algn="ctr"/>
+            <a:endParaRPr lang="en-US"/>
+          </a:p>
+        </p:txBody>
+      </p:sp>
+      <p:sp>
+        <p:nvSpPr>
+          <p:cNvPr id="23" name="Rectangle 22">
+            <a:extLst>
+              <a:ext uri="{FF2B5EF4-FFF2-40B4-BE49-F238E27FC236}">
+                <a16:creationId xmlns:a16="http://schemas.microsoft.com/office/drawing/2014/main" id="{75ABCF05-8734-4C35-8112-28A5AC3F96FA}"/>
+              </a:ext>
+              <a:ext uri="{C183D7F6-B498-43B3-948B-1728B52AA6E4}">
+                <adec:decorative xmlns:adec="http://schemas.microsoft.com/office/drawing/2017/decorative" val="1"/>
+              </a:ext>
+            </a:extLst>
+          </p:cNvPr>
+          <p:cNvSpPr>
+            <a:spLocks noGrp="1" noRot="1" noChangeAspect="1" noMove="1" noResize="1" noEditPoints="1" noAdjustHandles="1" noChangeArrowheads="1" noChangeShapeType="1" noTextEdit="1"/>
+          </p:cNvSpPr>
+          <p:nvPr>
+            <p:extLst>
+              <p:ext uri="{386F3935-93C4-4BCD-93E2-E3B085C9AB24}">
+                <p16:designElem xmlns:p16="http://schemas.microsoft.com/office/powerpoint/2015/main" val="1"/>
+              </p:ext>
+            </p:extLst>
+          </p:nvPr>
+        </p:nvSpPr>
+        <p:spPr>
+          <a:xfrm>
+            <a:off x="4283075" y="2971541"/>
+            <a:ext cx="2790855" cy="3168652"/>
+          </a:xfrm>
+          <a:prstGeom prst="rect">
+            <a:avLst/>
+          </a:prstGeom>
+          <a:solidFill>
+            <a:srgbClr val="FFFFFF"/>
+          </a:solidFill>
+          <a:ln>
+            <a:noFill/>
+          </a:ln>
+        </p:spPr>
+        <p:style>
+          <a:lnRef idx="2">
+            <a:schemeClr val="accent1">
+              <a:shade val="50000"/>
+            </a:schemeClr>
+          </a:lnRef>
+          <a:fillRef idx="1">
+            <a:schemeClr val="accent1"/>
+          </a:fillRef>
+          <a:effectRef idx="0">
+            <a:schemeClr val="accent1"/>
+          </a:effectRef>
+          <a:fontRef idx="minor">
+            <a:schemeClr val="lt1"/>
+          </a:fontRef>
+        </p:style>
+        <p:txBody>
+          <a:bodyPr rtlCol="0" anchor="ctr"/>
+          <a:lstStyle/>
+          <a:p>
+            <a:pPr algn="ctr"/>
+            <a:endParaRPr lang="en-US"/>
+          </a:p>
+        </p:txBody>
+      </p:sp>
       <p:pic>
         <p:nvPicPr>
-          <p:cNvPr id="6" name="그림 5">
+          <p:cNvPr id="6" name="그림 5" descr="텍스트, 스크린샷, 소프트웨어, 멀티미디어 소프트웨어이(가) 표시된 사진&#10;&#10;자동 생성된 설명">
             <a:extLst>
               <a:ext uri="{FF2B5EF4-FFF2-40B4-BE49-F238E27FC236}">
                 <a16:creationId xmlns:a16="http://schemas.microsoft.com/office/drawing/2014/main" id="{08CB9A5A-1A36-3700-D92B-5495931E63E3}"/>
@@ -3895,8 +5877,8 @@
         </p:blipFill>
         <p:spPr>
           <a:xfrm>
-            <a:off x="746620" y="1900229"/>
-            <a:ext cx="4915971" cy="3418391"/>
+            <a:off x="4443116" y="3693488"/>
+            <a:ext cx="2480365" cy="1724757"/>
           </a:xfrm>
           <a:prstGeom prst="rect">
             <a:avLst/>
@@ -3919,6 +5901,14 @@
 <file path=ppt/slides/slide5.xml><?xml version="1.0" encoding="utf-8"?>
 <p:sld xmlns:a="http://schemas.openxmlformats.org/drawingml/2006/main" xmlns:r="http://schemas.openxmlformats.org/officeDocument/2006/relationships" xmlns:p="http://schemas.openxmlformats.org/presentationml/2006/main">
   <p:cSld>
+    <p:bg>
+      <p:bgPr>
+        <a:solidFill>
+          <a:schemeClr val="accent1"/>
+        </a:solidFill>
+        <a:effectLst/>
+      </p:bgPr>
+    </p:bg>
     <p:spTree>
       <p:nvGrpSpPr>
         <p:cNvPr id="1" name=""/>
@@ -3935,114 +5925,63 @@
       </p:grpSpPr>
       <p:sp>
         <p:nvSpPr>
-          <p:cNvPr id="4" name="내용 개체 틀 2">
+          <p:cNvPr id="11" name="Rectangle 8">
             <a:extLst>
               <a:ext uri="{FF2B5EF4-FFF2-40B4-BE49-F238E27FC236}">
-                <a16:creationId xmlns:a16="http://schemas.microsoft.com/office/drawing/2014/main" id="{970A10C5-73BA-EB58-23FA-46D8E79C00CC}"/>
+                <a16:creationId xmlns:a16="http://schemas.microsoft.com/office/drawing/2014/main" id="{E9271C28-7496-4447-8541-7B39F5E9480A}"/>
+              </a:ext>
+              <a:ext uri="{C183D7F6-B498-43B3-948B-1728B52AA6E4}">
+                <adec:decorative xmlns:adec="http://schemas.microsoft.com/office/drawing/2017/decorative" val="1"/>
               </a:ext>
             </a:extLst>
           </p:cNvPr>
           <p:cNvSpPr>
-            <a:spLocks noGrp="1"/>
-          </p:cNvSpPr>
-          <p:nvPr>
-            <p:ph idx="1"/>
-          </p:nvPr>
-        </p:nvSpPr>
-        <p:spPr>
-          <a:xfrm>
-            <a:off x="746620" y="696286"/>
-            <a:ext cx="10269251" cy="5399714"/>
-          </a:xfrm>
-        </p:spPr>
+            <a:spLocks noGrp="1" noRot="1" noChangeAspect="1" noMove="1" noResize="1" noEditPoints="1" noAdjustHandles="1" noChangeArrowheads="1" noChangeShapeType="1" noTextEdit="1"/>
+          </p:cNvSpPr>
+          <p:nvPr>
+            <p:extLst>
+              <p:ext uri="{386F3935-93C4-4BCD-93E2-E3B085C9AB24}">
+                <p16:designElem xmlns:p16="http://schemas.microsoft.com/office/powerpoint/2015/main" val="1"/>
+              </p:ext>
+            </p:extLst>
+          </p:nvPr>
+        </p:nvSpPr>
+        <p:spPr>
+          <a:xfrm>
+            <a:off x="231140" y="243840"/>
+            <a:ext cx="11724640" cy="6377939"/>
+          </a:xfrm>
+          <a:prstGeom prst="rect">
+            <a:avLst/>
+          </a:prstGeom>
+          <a:solidFill>
+            <a:schemeClr val="bg1"/>
+          </a:solidFill>
+          <a:ln w="12700">
+            <a:noFill/>
+          </a:ln>
+        </p:spPr>
+        <p:style>
+          <a:lnRef idx="2">
+            <a:schemeClr val="accent1">
+              <a:shade val="50000"/>
+            </a:schemeClr>
+          </a:lnRef>
+          <a:fillRef idx="1">
+            <a:schemeClr val="accent1"/>
+          </a:fillRef>
+          <a:effectRef idx="0">
+            <a:schemeClr val="accent1"/>
+          </a:effectRef>
+          <a:fontRef idx="minor">
+            <a:schemeClr val="lt1"/>
+          </a:fontRef>
+        </p:style>
         <p:txBody>
           <a:bodyPr/>
           <a:lstStyle/>
           <a:p>
-            <a:r>
-              <a:rPr lang="en-US" altLang="ko-KR" dirty="0"/>
-              <a:t>Rider IDE</a:t>
-            </a:r>
-            <a:r>
-              <a:rPr lang="ko-KR" altLang="en-US" dirty="0"/>
-              <a:t>의 경우</a:t>
-            </a:r>
-            <a:endParaRPr lang="en-US" altLang="ko-KR" dirty="0"/>
-          </a:p>
-          <a:p>
-            <a:r>
-              <a:rPr lang="ko-KR" altLang="en-US" dirty="0"/>
-              <a:t>오른쪽의 </a:t>
-            </a:r>
-            <a:r>
-              <a:rPr lang="en-US" altLang="ko-KR" dirty="0"/>
-              <a:t>DB</a:t>
-            </a:r>
-            <a:r>
-              <a:rPr lang="ko-KR" altLang="en-US" dirty="0"/>
-              <a:t>탭 </a:t>
-            </a:r>
-            <a:r>
-              <a:rPr lang="en-US" altLang="ko-KR" dirty="0"/>
-              <a:t>-&gt; +</a:t>
-            </a:r>
-            <a:r>
-              <a:rPr lang="ko-KR" altLang="en-US" dirty="0"/>
-              <a:t>버튼 </a:t>
-            </a:r>
-            <a:r>
-              <a:rPr lang="en-US" altLang="ko-KR" dirty="0"/>
-              <a:t>-&gt; Connect to Database… -&gt; Use connection string </a:t>
-            </a:r>
-            <a:r>
-              <a:rPr lang="ko-KR" altLang="en-US" dirty="0"/>
-              <a:t>에서 </a:t>
-            </a:r>
-            <a:r>
-              <a:rPr lang="en-US" altLang="ko-KR" dirty="0"/>
-              <a:t>Database type</a:t>
-            </a:r>
-            <a:r>
-              <a:rPr lang="ko-KR" altLang="en-US" dirty="0"/>
-              <a:t>의 </a:t>
-            </a:r>
-            <a:r>
-              <a:rPr lang="en-US" altLang="ko-KR" dirty="0"/>
-              <a:t>SQLite</a:t>
-            </a:r>
-            <a:r>
-              <a:rPr lang="ko-KR" altLang="en-US" dirty="0"/>
-              <a:t>를 선택하고 </a:t>
-            </a:r>
-            <a:r>
-              <a:rPr lang="en-US" altLang="ko-KR" dirty="0"/>
-              <a:t>Test Connection</a:t>
-            </a:r>
-            <a:r>
-              <a:rPr lang="ko-KR" altLang="en-US" dirty="0"/>
-              <a:t>으로 테스트 후 성공 시 </a:t>
-            </a:r>
-            <a:r>
-              <a:rPr lang="en-US" altLang="ko-KR" dirty="0"/>
-              <a:t>Connection to Database</a:t>
-            </a:r>
-            <a:r>
-              <a:rPr lang="ko-KR" altLang="en-US" dirty="0"/>
-              <a:t>를 클릭하여 </a:t>
-            </a:r>
-            <a:r>
-              <a:rPr lang="en-US" altLang="ko-KR" dirty="0"/>
-              <a:t>SQLite</a:t>
-            </a:r>
-            <a:r>
-              <a:rPr lang="ko-KR" altLang="en-US" dirty="0"/>
-              <a:t>를 연결한다</a:t>
-            </a:r>
-            <a:r>
-              <a:rPr lang="en-US" altLang="ko-KR" dirty="0"/>
-              <a:t>.</a:t>
-            </a:r>
-            <a:endParaRPr lang="ko-KR" altLang="en-US" dirty="0"/>
+            <a:endParaRPr lang="ko-KR" altLang="en-US"/>
           </a:p>
         </p:txBody>
       </p:sp>
@@ -4051,7 +5990,7 @@
           <p:cNvPr id="3" name="그림 2">
             <a:extLst>
               <a:ext uri="{FF2B5EF4-FFF2-40B4-BE49-F238E27FC236}">
-                <a16:creationId xmlns:a16="http://schemas.microsoft.com/office/drawing/2014/main" id="{A6C4F0E5-0FF0-5340-B880-8A6413B3BA9E}"/>
+                <a16:creationId xmlns:a16="http://schemas.microsoft.com/office/drawing/2014/main" id="{F321E9CF-4B52-AD3E-73A7-7AA5C889E3F7}"/>
               </a:ext>
             </a:extLst>
           </p:cNvPr>
@@ -4068,78 +6007,171 @@
         </p:blipFill>
         <p:spPr>
           <a:xfrm>
-            <a:off x="879857" y="2371800"/>
-            <a:ext cx="2667372" cy="2410161"/>
+            <a:off x="479054" y="2167595"/>
+            <a:ext cx="5606244" cy="2522809"/>
           </a:xfrm>
           <a:prstGeom prst="rect">
             <a:avLst/>
           </a:prstGeom>
         </p:spPr>
       </p:pic>
-      <p:pic>
-        <p:nvPicPr>
-          <p:cNvPr id="6" name="그림 5">
+      <p:sp>
+        <p:nvSpPr>
+          <p:cNvPr id="4" name="내용 개체 틀 2">
             <a:extLst>
               <a:ext uri="{FF2B5EF4-FFF2-40B4-BE49-F238E27FC236}">
-                <a16:creationId xmlns:a16="http://schemas.microsoft.com/office/drawing/2014/main" id="{7E2C4015-4ABC-3A53-AA71-E79CF555AEDE}"/>
+                <a16:creationId xmlns:a16="http://schemas.microsoft.com/office/drawing/2014/main" id="{970A10C5-73BA-EB58-23FA-46D8E79C00CC}"/>
               </a:ext>
             </a:extLst>
           </p:cNvPr>
-          <p:cNvPicPr>
-            <a:picLocks noChangeAspect="1"/>
-          </p:cNvPicPr>
+          <p:cNvSpPr>
+            <a:spLocks noGrp="1"/>
+          </p:cNvSpPr>
+          <p:nvPr>
+            <p:ph idx="1"/>
+          </p:nvPr>
+        </p:nvSpPr>
+        <p:spPr>
+          <a:xfrm>
+            <a:off x="6106703" y="2057400"/>
+            <a:ext cx="5364444" cy="4038600"/>
+          </a:xfrm>
+        </p:spPr>
+        <p:txBody>
+          <a:bodyPr>
+            <a:normAutofit/>
+          </a:bodyPr>
+          <a:lstStyle/>
+          <a:p>
+            <a:r>
+              <a:rPr lang="en-US" altLang="ko-KR" dirty="0">
+                <a:hlinkClick r:id="rId3"/>
+              </a:rPr>
+              <a:t>https://sqlitebrowser.org/dl/</a:t>
+            </a:r>
+            <a:endParaRPr lang="en-US" altLang="ko-KR" dirty="0"/>
+          </a:p>
+          <a:p>
+            <a:r>
+              <a:rPr lang="ko-KR" altLang="en-US" dirty="0"/>
+              <a:t>위 사이트에 방문하여 </a:t>
+            </a:r>
+            <a:r>
+              <a:rPr lang="en-US" altLang="ko-KR" dirty="0"/>
+              <a:t>DB </a:t>
+            </a:r>
+            <a:r>
+              <a:rPr lang="en-US" altLang="ko-KR" dirty="0" err="1"/>
+              <a:t>Broser</a:t>
+            </a:r>
+            <a:r>
+              <a:rPr lang="en-US" altLang="ko-KR" dirty="0"/>
+              <a:t> for SQLite </a:t>
+            </a:r>
+            <a:r>
+              <a:rPr lang="ko-KR" altLang="en-US" dirty="0"/>
+              <a:t>를 다운받습니다</a:t>
+            </a:r>
+            <a:r>
+              <a:rPr lang="en-US" altLang="ko-KR" dirty="0"/>
+              <a:t>.</a:t>
+            </a:r>
+          </a:p>
+          <a:p>
+            <a:r>
+              <a:rPr lang="ko-KR" altLang="en-US" dirty="0"/>
+              <a:t>자신의 운영체제에 맞게 다운로드 합니다</a:t>
+            </a:r>
+            <a:r>
+              <a:rPr lang="en-US" altLang="ko-KR" dirty="0"/>
+              <a:t>.</a:t>
+            </a:r>
+          </a:p>
+          <a:p>
+            <a:r>
+              <a:rPr lang="ko-KR" altLang="en-US" dirty="0"/>
+              <a:t>저는 </a:t>
+            </a:r>
+            <a:r>
+              <a:rPr lang="en-US" altLang="ko-KR" dirty="0"/>
+              <a:t>Windows 64</a:t>
+            </a:r>
+            <a:r>
+              <a:rPr lang="ko-KR" altLang="en-US" dirty="0"/>
+              <a:t>비트 </a:t>
+            </a:r>
+            <a:r>
+              <a:rPr lang="en-US" altLang="ko-KR" dirty="0"/>
+              <a:t>no installer </a:t>
+            </a:r>
+            <a:r>
+              <a:rPr lang="ko-KR" altLang="en-US" dirty="0"/>
+              <a:t>버전을 다운받았습니다</a:t>
+            </a:r>
+            <a:r>
+              <a:rPr lang="en-US" altLang="ko-KR" dirty="0"/>
+              <a:t>.</a:t>
+            </a:r>
+            <a:endParaRPr lang="ko-KR" altLang="en-US" dirty="0"/>
+          </a:p>
+        </p:txBody>
+      </p:sp>
+      <p:sp>
+        <p:nvSpPr>
+          <p:cNvPr id="5" name="직사각형 4">
+            <a:extLst>
+              <a:ext uri="{FF2B5EF4-FFF2-40B4-BE49-F238E27FC236}">
+                <a16:creationId xmlns:a16="http://schemas.microsoft.com/office/drawing/2014/main" id="{966B51D0-7CE0-0E48-7704-C5BF9DEA3F2B}"/>
+              </a:ext>
+            </a:extLst>
+          </p:cNvPr>
+          <p:cNvSpPr/>
           <p:nvPr/>
-        </p:nvPicPr>
-        <p:blipFill>
-          <a:blip r:embed="rId3"/>
-          <a:stretch>
-            <a:fillRect/>
-          </a:stretch>
-        </p:blipFill>
-        <p:spPr>
-          <a:xfrm>
-            <a:off x="3547229" y="2371800"/>
-            <a:ext cx="5468113" cy="3305636"/>
+        </p:nvSpPr>
+        <p:spPr>
+          <a:xfrm>
+            <a:off x="720853" y="3629608"/>
+            <a:ext cx="4625588" cy="566186"/>
           </a:xfrm>
           <a:prstGeom prst="rect">
             <a:avLst/>
           </a:prstGeom>
-        </p:spPr>
-      </p:pic>
-      <p:pic>
-        <p:nvPicPr>
-          <p:cNvPr id="8" name="그림 7">
-            <a:extLst>
-              <a:ext uri="{FF2B5EF4-FFF2-40B4-BE49-F238E27FC236}">
-                <a16:creationId xmlns:a16="http://schemas.microsoft.com/office/drawing/2014/main" id="{DD262467-70D3-8C59-3E0C-DE910117581D}"/>
-              </a:ext>
-            </a:extLst>
-          </p:cNvPr>
-          <p:cNvPicPr>
-            <a:picLocks noChangeAspect="1"/>
-          </p:cNvPicPr>
-          <p:nvPr/>
-        </p:nvPicPr>
-        <p:blipFill>
-          <a:blip r:embed="rId4"/>
-          <a:stretch>
-            <a:fillRect/>
-          </a:stretch>
-        </p:blipFill>
-        <p:spPr>
-          <a:xfrm>
-            <a:off x="9015342" y="2371800"/>
-            <a:ext cx="2000529" cy="1295581"/>
-          </a:xfrm>
-          <a:prstGeom prst="rect">
-            <a:avLst/>
-          </a:prstGeom>
-        </p:spPr>
-      </p:pic>
+          <a:noFill/>
+          <a:ln w="76200">
+            <a:solidFill>
+              <a:srgbClr val="FF0000"/>
+            </a:solidFill>
+          </a:ln>
+        </p:spPr>
+        <p:style>
+          <a:lnRef idx="2">
+            <a:schemeClr val="accent1">
+              <a:shade val="50000"/>
+            </a:schemeClr>
+          </a:lnRef>
+          <a:fillRef idx="1">
+            <a:schemeClr val="accent1"/>
+          </a:fillRef>
+          <a:effectRef idx="0">
+            <a:schemeClr val="accent1"/>
+          </a:effectRef>
+          <a:fontRef idx="minor">
+            <a:schemeClr val="lt1"/>
+          </a:fontRef>
+        </p:style>
+        <p:txBody>
+          <a:bodyPr rtlCol="0" anchor="ctr"/>
+          <a:lstStyle/>
+          <a:p>
+            <a:pPr algn="ctr"/>
+            <a:endParaRPr lang="ko-KR" altLang="en-US"/>
+          </a:p>
+        </p:txBody>
+      </p:sp>
     </p:spTree>
     <p:extLst>
       <p:ext uri="{BB962C8B-B14F-4D97-AF65-F5344CB8AC3E}">
-        <p14:creationId xmlns:p14="http://schemas.microsoft.com/office/powerpoint/2010/main" val="3191955848"/>
+        <p14:creationId xmlns:p14="http://schemas.microsoft.com/office/powerpoint/2010/main" val="2185515989"/>
       </p:ext>
     </p:extLst>
   </p:cSld>
@@ -4152,6 +6184,14 @@
 <file path=ppt/slides/slide6.xml><?xml version="1.0" encoding="utf-8"?>
 <p:sld xmlns:a="http://schemas.openxmlformats.org/drawingml/2006/main" xmlns:r="http://schemas.openxmlformats.org/officeDocument/2006/relationships" xmlns:p="http://schemas.openxmlformats.org/presentationml/2006/main">
   <p:cSld>
+    <p:bg>
+      <p:bgPr>
+        <a:solidFill>
+          <a:schemeClr val="accent1"/>
+        </a:solidFill>
+        <a:effectLst/>
+      </p:bgPr>
+    </p:bg>
     <p:spTree>
       <p:nvGrpSpPr>
         <p:cNvPr id="1" name=""/>
@@ -4168,6 +6208,250 @@
       </p:grpSpPr>
       <p:sp>
         <p:nvSpPr>
+          <p:cNvPr id="11" name="Rectangle 10">
+            <a:extLst>
+              <a:ext uri="{FF2B5EF4-FFF2-40B4-BE49-F238E27FC236}">
+                <a16:creationId xmlns:a16="http://schemas.microsoft.com/office/drawing/2014/main" id="{F5E52E17-DE31-4BC9-9409-C84E25C68A6E}"/>
+              </a:ext>
+              <a:ext uri="{C183D7F6-B498-43B3-948B-1728B52AA6E4}">
+                <adec:decorative xmlns:adec="http://schemas.microsoft.com/office/drawing/2017/decorative" val="1"/>
+              </a:ext>
+            </a:extLst>
+          </p:cNvPr>
+          <p:cNvSpPr>
+            <a:spLocks noGrp="1" noRot="1" noChangeAspect="1" noMove="1" noResize="1" noEditPoints="1" noAdjustHandles="1" noChangeArrowheads="1" noChangeShapeType="1" noTextEdit="1"/>
+          </p:cNvSpPr>
+          <p:nvPr>
+            <p:extLst>
+              <p:ext uri="{386F3935-93C4-4BCD-93E2-E3B085C9AB24}">
+                <p16:designElem xmlns:p16="http://schemas.microsoft.com/office/powerpoint/2015/main" val="1"/>
+              </p:ext>
+            </p:extLst>
+          </p:nvPr>
+        </p:nvSpPr>
+        <p:spPr>
+          <a:xfrm>
+            <a:off x="231140" y="243840"/>
+            <a:ext cx="11724640" cy="6377939"/>
+          </a:xfrm>
+          <a:prstGeom prst="rect">
+            <a:avLst/>
+          </a:prstGeom>
+          <a:solidFill>
+            <a:schemeClr val="bg1"/>
+          </a:solidFill>
+          <a:ln w="12700">
+            <a:noFill/>
+          </a:ln>
+        </p:spPr>
+        <p:style>
+          <a:lnRef idx="2">
+            <a:schemeClr val="accent1">
+              <a:shade val="50000"/>
+            </a:schemeClr>
+          </a:lnRef>
+          <a:fillRef idx="1">
+            <a:schemeClr val="accent1"/>
+          </a:fillRef>
+          <a:effectRef idx="0">
+            <a:schemeClr val="accent1"/>
+          </a:effectRef>
+          <a:fontRef idx="minor">
+            <a:schemeClr val="lt1"/>
+          </a:fontRef>
+        </p:style>
+        <p:txBody>
+          <a:bodyPr/>
+          <a:lstStyle/>
+          <a:p>
+            <a:endParaRPr lang="ko-KR" altLang="en-US"/>
+          </a:p>
+        </p:txBody>
+      </p:sp>
+      <p:sp>
+        <p:nvSpPr>
+          <p:cNvPr id="13" name="Rectangle 12">
+            <a:extLst>
+              <a:ext uri="{FF2B5EF4-FFF2-40B4-BE49-F238E27FC236}">
+                <a16:creationId xmlns:a16="http://schemas.microsoft.com/office/drawing/2014/main" id="{9CCE7D60-361C-425C-BBC0-DE906C069D06}"/>
+              </a:ext>
+              <a:ext uri="{C183D7F6-B498-43B3-948B-1728B52AA6E4}">
+                <adec:decorative xmlns:adec="http://schemas.microsoft.com/office/drawing/2017/decorative" val="1"/>
+              </a:ext>
+            </a:extLst>
+          </p:cNvPr>
+          <p:cNvSpPr>
+            <a:spLocks noGrp="1" noRot="1" noChangeAspect="1" noMove="1" noResize="1" noEditPoints="1" noAdjustHandles="1" noChangeArrowheads="1" noChangeShapeType="1" noTextEdit="1"/>
+          </p:cNvSpPr>
+          <p:nvPr>
+            <p:extLst>
+              <p:ext uri="{386F3935-93C4-4BCD-93E2-E3B085C9AB24}">
+                <p16:designElem xmlns:p16="http://schemas.microsoft.com/office/powerpoint/2015/main" val="1"/>
+              </p:ext>
+            </p:extLst>
+          </p:nvPr>
+        </p:nvSpPr>
+        <p:spPr>
+          <a:xfrm>
+            <a:off x="4992748" y="744836"/>
+            <a:ext cx="2079069" cy="2344272"/>
+          </a:xfrm>
+          <a:prstGeom prst="rect">
+            <a:avLst/>
+          </a:prstGeom>
+          <a:solidFill>
+            <a:schemeClr val="accent1"/>
+          </a:solidFill>
+          <a:ln>
+            <a:noFill/>
+          </a:ln>
+        </p:spPr>
+        <p:style>
+          <a:lnRef idx="2">
+            <a:schemeClr val="accent1">
+              <a:shade val="50000"/>
+            </a:schemeClr>
+          </a:lnRef>
+          <a:fillRef idx="1">
+            <a:schemeClr val="accent1"/>
+          </a:fillRef>
+          <a:effectRef idx="0">
+            <a:schemeClr val="accent1"/>
+          </a:effectRef>
+          <a:fontRef idx="minor">
+            <a:schemeClr val="lt1"/>
+          </a:fontRef>
+        </p:style>
+        <p:txBody>
+          <a:bodyPr rtlCol="0" anchor="ctr"/>
+          <a:lstStyle/>
+          <a:p>
+            <a:pPr algn="ctr"/>
+            <a:endParaRPr lang="en-US"/>
+          </a:p>
+        </p:txBody>
+      </p:sp>
+      <p:sp>
+        <p:nvSpPr>
+          <p:cNvPr id="15" name="Rectangle 14">
+            <a:extLst>
+              <a:ext uri="{FF2B5EF4-FFF2-40B4-BE49-F238E27FC236}">
+                <a16:creationId xmlns:a16="http://schemas.microsoft.com/office/drawing/2014/main" id="{F83F538E-BD48-4175-B531-31BEB1C57DC4}"/>
+              </a:ext>
+              <a:ext uri="{C183D7F6-B498-43B3-948B-1728B52AA6E4}">
+                <adec:decorative xmlns:adec="http://schemas.microsoft.com/office/drawing/2017/decorative" val="1"/>
+              </a:ext>
+            </a:extLst>
+          </p:cNvPr>
+          <p:cNvSpPr>
+            <a:spLocks noGrp="1" noRot="1" noChangeAspect="1" noMove="1" noResize="1" noEditPoints="1" noAdjustHandles="1" noChangeArrowheads="1" noChangeShapeType="1" noTextEdit="1"/>
+          </p:cNvSpPr>
+          <p:nvPr>
+            <p:extLst>
+              <p:ext uri="{386F3935-93C4-4BCD-93E2-E3B085C9AB24}">
+                <p16:designElem xmlns:p16="http://schemas.microsoft.com/office/powerpoint/2015/main" val="1"/>
+              </p:ext>
+            </p:extLst>
+          </p:nvPr>
+        </p:nvSpPr>
+        <p:spPr>
+          <a:xfrm>
+            <a:off x="721371" y="4066796"/>
+            <a:ext cx="2157385" cy="2061118"/>
+          </a:xfrm>
+          <a:prstGeom prst="rect">
+            <a:avLst/>
+          </a:prstGeom>
+          <a:solidFill>
+            <a:schemeClr val="bg2"/>
+          </a:solidFill>
+          <a:ln>
+            <a:noFill/>
+          </a:ln>
+        </p:spPr>
+        <p:style>
+          <a:lnRef idx="2">
+            <a:schemeClr val="accent1">
+              <a:shade val="50000"/>
+            </a:schemeClr>
+          </a:lnRef>
+          <a:fillRef idx="1">
+            <a:schemeClr val="accent1"/>
+          </a:fillRef>
+          <a:effectRef idx="0">
+            <a:schemeClr val="accent1"/>
+          </a:effectRef>
+          <a:fontRef idx="minor">
+            <a:schemeClr val="lt1"/>
+          </a:fontRef>
+        </p:style>
+        <p:txBody>
+          <a:bodyPr rtlCol="0" anchor="ctr"/>
+          <a:lstStyle/>
+          <a:p>
+            <a:pPr algn="ctr"/>
+            <a:endParaRPr lang="en-US"/>
+          </a:p>
+        </p:txBody>
+      </p:sp>
+      <p:pic>
+        <p:nvPicPr>
+          <p:cNvPr id="3" name="그림 2">
+            <a:extLst>
+              <a:ext uri="{FF2B5EF4-FFF2-40B4-BE49-F238E27FC236}">
+                <a16:creationId xmlns:a16="http://schemas.microsoft.com/office/drawing/2014/main" id="{9B43DA7D-9062-D3CF-F31A-A48695270E43}"/>
+              </a:ext>
+            </a:extLst>
+          </p:cNvPr>
+          <p:cNvPicPr>
+            <a:picLocks noChangeAspect="1"/>
+          </p:cNvPicPr>
+          <p:nvPr/>
+        </p:nvPicPr>
+        <p:blipFill rotWithShape="1">
+          <a:blip r:embed="rId2"/>
+          <a:srcRect r="287"/>
+          <a:stretch/>
+        </p:blipFill>
+        <p:spPr>
+          <a:xfrm>
+            <a:off x="721369" y="744836"/>
+            <a:ext cx="4113439" cy="3161093"/>
+          </a:xfrm>
+          <a:custGeom>
+            <a:avLst/>
+            <a:gdLst/>
+            <a:ahLst/>
+            <a:cxnLst/>
+            <a:rect l="l" t="t" r="r" b="b"/>
+            <a:pathLst>
+              <a:path w="4113439" h="3161093">
+                <a:moveTo>
+                  <a:pt x="0" y="0"/>
+                </a:moveTo>
+                <a:lnTo>
+                  <a:pt x="4113439" y="0"/>
+                </a:lnTo>
+                <a:lnTo>
+                  <a:pt x="4113439" y="2344272"/>
+                </a:lnTo>
+                <a:lnTo>
+                  <a:pt x="2157387" y="2344272"/>
+                </a:lnTo>
+                <a:lnTo>
+                  <a:pt x="2157387" y="3161093"/>
+                </a:lnTo>
+                <a:lnTo>
+                  <a:pt x="0" y="3161093"/>
+                </a:lnTo>
+                <a:close/>
+              </a:path>
+            </a:pathLst>
+          </a:custGeom>
+        </p:spPr>
+      </p:pic>
+      <p:sp>
+        <p:nvSpPr>
           <p:cNvPr id="4" name="내용 개체 틀 2">
             <a:extLst>
               <a:ext uri="{FF2B5EF4-FFF2-40B4-BE49-F238E27FC236}">
@@ -4184,22 +6468,228 @@
         </p:nvSpPr>
         <p:spPr>
           <a:xfrm>
-            <a:off x="746620" y="696286"/>
-            <a:ext cx="10269251" cy="5399714"/>
-          </a:xfrm>
-        </p:spPr>
-        <p:txBody>
-          <a:bodyPr/>
-          <a:lstStyle/>
-          <a:p>
-            <a:endParaRPr lang="ko-KR" altLang="en-US" dirty="0"/>
+            <a:off x="7672708" y="1069808"/>
+            <a:ext cx="3912583" cy="4038600"/>
+          </a:xfrm>
+        </p:spPr>
+        <p:txBody>
+          <a:bodyPr>
+            <a:normAutofit/>
+          </a:bodyPr>
+          <a:lstStyle/>
+          <a:p>
+            <a:pPr>
+              <a:lnSpc>
+                <a:spcPct val="150000"/>
+              </a:lnSpc>
+            </a:pPr>
+            <a:r>
+              <a:rPr lang="ko-KR" altLang="en-US" sz="1800" dirty="0"/>
+              <a:t>다운로드 받은 파일을 압축해제하고</a:t>
+            </a:r>
+            <a:r>
+              <a:rPr lang="en-US" altLang="ko-KR" sz="1800" dirty="0"/>
+              <a:t>, DB Browser for SQLite.exe </a:t>
+            </a:r>
+            <a:r>
+              <a:rPr lang="ko-KR" altLang="en-US" sz="1800" dirty="0"/>
+              <a:t>파일을 실행합니다</a:t>
+            </a:r>
+            <a:r>
+              <a:rPr lang="en-US" altLang="ko-KR" sz="1800" dirty="0"/>
+              <a:t>.</a:t>
+            </a:r>
+          </a:p>
+          <a:p>
+            <a:pPr>
+              <a:lnSpc>
+                <a:spcPct val="150000"/>
+              </a:lnSpc>
+            </a:pPr>
+            <a:r>
+              <a:rPr lang="ko-KR" altLang="en-US" sz="1800" dirty="0"/>
+              <a:t>새 데이터베이스 버튼을 클릭하여 데이터베이스를 하나 만듭니다</a:t>
+            </a:r>
+            <a:r>
+              <a:rPr lang="en-US" altLang="ko-KR" sz="1800" dirty="0"/>
+              <a:t>.</a:t>
+            </a:r>
+          </a:p>
+          <a:p>
+            <a:pPr>
+              <a:lnSpc>
+                <a:spcPct val="150000"/>
+              </a:lnSpc>
+            </a:pPr>
+            <a:r>
+              <a:rPr lang="ko-KR" altLang="en-US" sz="1800" dirty="0" err="1"/>
+              <a:t>다크모드는</a:t>
+            </a:r>
+            <a:r>
+              <a:rPr lang="ko-KR" altLang="en-US" sz="1800" dirty="0"/>
+              <a:t> 편집 </a:t>
+            </a:r>
+            <a:r>
+              <a:rPr lang="en-US" altLang="ko-KR" sz="1800" dirty="0"/>
+              <a:t>– </a:t>
+            </a:r>
+            <a:r>
+              <a:rPr lang="ko-KR" altLang="en-US" sz="1800" dirty="0"/>
+              <a:t>환경설정 </a:t>
+            </a:r>
+            <a:r>
+              <a:rPr lang="en-US" altLang="ko-KR" sz="1800" dirty="0"/>
+              <a:t>– </a:t>
+            </a:r>
+            <a:r>
+              <a:rPr lang="ko-KR" altLang="en-US" sz="1800" dirty="0"/>
+              <a:t>애플리케이션 스타일에서 변경 가능합니다</a:t>
+            </a:r>
+            <a:r>
+              <a:rPr lang="en-US" altLang="ko-KR" sz="1800" dirty="0"/>
+              <a:t>.</a:t>
+            </a:r>
+            <a:endParaRPr lang="ko-KR" altLang="en-US" sz="1800" dirty="0"/>
+          </a:p>
+        </p:txBody>
+      </p:sp>
+      <p:pic>
+        <p:nvPicPr>
+          <p:cNvPr id="8" name="그림 7">
+            <a:extLst>
+              <a:ext uri="{FF2B5EF4-FFF2-40B4-BE49-F238E27FC236}">
+                <a16:creationId xmlns:a16="http://schemas.microsoft.com/office/drawing/2014/main" id="{7FD42687-4FFA-CFBA-DBFE-57D50009552A}"/>
+              </a:ext>
+            </a:extLst>
+          </p:cNvPr>
+          <p:cNvPicPr>
+            <a:picLocks noChangeAspect="1"/>
+          </p:cNvPicPr>
+          <p:nvPr/>
+        </p:nvPicPr>
+        <p:blipFill rotWithShape="1">
+          <a:blip r:embed="rId3"/>
+          <a:srcRect r="4473"/>
+          <a:stretch/>
+        </p:blipFill>
+        <p:spPr>
+          <a:xfrm>
+            <a:off x="3069040" y="3293861"/>
+            <a:ext cx="4002777" cy="2834053"/>
+          </a:xfrm>
+          <a:prstGeom prst="rect">
+            <a:avLst/>
+          </a:prstGeom>
+        </p:spPr>
+      </p:pic>
+      <p:sp>
+        <p:nvSpPr>
+          <p:cNvPr id="9" name="직사각형 8">
+            <a:extLst>
+              <a:ext uri="{FF2B5EF4-FFF2-40B4-BE49-F238E27FC236}">
+                <a16:creationId xmlns:a16="http://schemas.microsoft.com/office/drawing/2014/main" id="{E7FD94FD-4F3D-6EE5-5548-488BBFB35CCF}"/>
+              </a:ext>
+            </a:extLst>
+          </p:cNvPr>
+          <p:cNvSpPr/>
+          <p:nvPr/>
+        </p:nvSpPr>
+        <p:spPr>
+          <a:xfrm>
+            <a:off x="720853" y="2089441"/>
+            <a:ext cx="2424418" cy="471881"/>
+          </a:xfrm>
+          <a:prstGeom prst="rect">
+            <a:avLst/>
+          </a:prstGeom>
+          <a:noFill/>
+          <a:ln w="76200">
+            <a:solidFill>
+              <a:srgbClr val="FF0000"/>
+            </a:solidFill>
+          </a:ln>
+        </p:spPr>
+        <p:style>
+          <a:lnRef idx="2">
+            <a:schemeClr val="accent1">
+              <a:shade val="50000"/>
+            </a:schemeClr>
+          </a:lnRef>
+          <a:fillRef idx="1">
+            <a:schemeClr val="accent1"/>
+          </a:fillRef>
+          <a:effectRef idx="0">
+            <a:schemeClr val="accent1"/>
+          </a:effectRef>
+          <a:fontRef idx="minor">
+            <a:schemeClr val="lt1"/>
+          </a:fontRef>
+        </p:style>
+        <p:txBody>
+          <a:bodyPr rtlCol="0" anchor="ctr"/>
+          <a:lstStyle/>
+          <a:p>
+            <a:pPr algn="ctr"/>
+            <a:endParaRPr lang="ko-KR" altLang="en-US"/>
+          </a:p>
+        </p:txBody>
+      </p:sp>
+      <p:sp>
+        <p:nvSpPr>
+          <p:cNvPr id="10" name="직사각형 9">
+            <a:extLst>
+              <a:ext uri="{FF2B5EF4-FFF2-40B4-BE49-F238E27FC236}">
+                <a16:creationId xmlns:a16="http://schemas.microsoft.com/office/drawing/2014/main" id="{0E5B1FAA-6FE2-B2A5-1B28-AD5CAB02B07D}"/>
+              </a:ext>
+            </a:extLst>
+          </p:cNvPr>
+          <p:cNvSpPr/>
+          <p:nvPr/>
+        </p:nvSpPr>
+        <p:spPr>
+          <a:xfrm>
+            <a:off x="3069040" y="3728219"/>
+            <a:ext cx="1390993" cy="382463"/>
+          </a:xfrm>
+          <a:prstGeom prst="rect">
+            <a:avLst/>
+          </a:prstGeom>
+          <a:noFill/>
+          <a:ln w="76200">
+            <a:solidFill>
+              <a:srgbClr val="FF0000"/>
+            </a:solidFill>
+          </a:ln>
+        </p:spPr>
+        <p:style>
+          <a:lnRef idx="2">
+            <a:schemeClr val="accent1">
+              <a:shade val="50000"/>
+            </a:schemeClr>
+          </a:lnRef>
+          <a:fillRef idx="1">
+            <a:schemeClr val="accent1"/>
+          </a:fillRef>
+          <a:effectRef idx="0">
+            <a:schemeClr val="accent1"/>
+          </a:effectRef>
+          <a:fontRef idx="minor">
+            <a:schemeClr val="lt1"/>
+          </a:fontRef>
+        </p:style>
+        <p:txBody>
+          <a:bodyPr rtlCol="0" anchor="ctr"/>
+          <a:lstStyle/>
+          <a:p>
+            <a:pPr algn="ctr"/>
+            <a:endParaRPr lang="ko-KR" altLang="en-US"/>
           </a:p>
         </p:txBody>
       </p:sp>
     </p:spTree>
     <p:extLst>
       <p:ext uri="{BB962C8B-B14F-4D97-AF65-F5344CB8AC3E}">
-        <p14:creationId xmlns:p14="http://schemas.microsoft.com/office/powerpoint/2010/main" val="2185515989"/>
+        <p14:creationId xmlns:p14="http://schemas.microsoft.com/office/powerpoint/2010/main" val="1663307196"/>
       </p:ext>
     </p:extLst>
   </p:cSld>
@@ -4212,6 +6702,14 @@
 <file path=ppt/slides/slide7.xml><?xml version="1.0" encoding="utf-8"?>
 <p:sld xmlns:a="http://schemas.openxmlformats.org/drawingml/2006/main" xmlns:r="http://schemas.openxmlformats.org/officeDocument/2006/relationships" xmlns:p="http://schemas.openxmlformats.org/presentationml/2006/main">
   <p:cSld>
+    <p:bg>
+      <p:bgPr>
+        <a:solidFill>
+          <a:schemeClr val="accent1"/>
+        </a:solidFill>
+        <a:effectLst/>
+      </p:bgPr>
+    </p:bg>
     <p:spTree>
       <p:nvGrpSpPr>
         <p:cNvPr id="1" name=""/>
@@ -4228,6 +6726,194 @@
       </p:grpSpPr>
       <p:sp>
         <p:nvSpPr>
+          <p:cNvPr id="13" name="Rectangle 12">
+            <a:extLst>
+              <a:ext uri="{FF2B5EF4-FFF2-40B4-BE49-F238E27FC236}">
+                <a16:creationId xmlns:a16="http://schemas.microsoft.com/office/drawing/2014/main" id="{F5E52E17-DE31-4BC9-9409-C84E25C68A6E}"/>
+              </a:ext>
+              <a:ext uri="{C183D7F6-B498-43B3-948B-1728B52AA6E4}">
+                <adec:decorative xmlns:adec="http://schemas.microsoft.com/office/drawing/2017/decorative" val="1"/>
+              </a:ext>
+            </a:extLst>
+          </p:cNvPr>
+          <p:cNvSpPr>
+            <a:spLocks noGrp="1" noRot="1" noChangeAspect="1" noMove="1" noResize="1" noEditPoints="1" noAdjustHandles="1" noChangeArrowheads="1" noChangeShapeType="1" noTextEdit="1"/>
+          </p:cNvSpPr>
+          <p:nvPr>
+            <p:extLst>
+              <p:ext uri="{386F3935-93C4-4BCD-93E2-E3B085C9AB24}">
+                <p16:designElem xmlns:p16="http://schemas.microsoft.com/office/powerpoint/2015/main" val="1"/>
+              </p:ext>
+            </p:extLst>
+          </p:nvPr>
+        </p:nvSpPr>
+        <p:spPr>
+          <a:xfrm>
+            <a:off x="231140" y="243840"/>
+            <a:ext cx="11724640" cy="6377939"/>
+          </a:xfrm>
+          <a:prstGeom prst="rect">
+            <a:avLst/>
+          </a:prstGeom>
+          <a:solidFill>
+            <a:schemeClr val="bg1"/>
+          </a:solidFill>
+          <a:ln w="12700">
+            <a:noFill/>
+          </a:ln>
+        </p:spPr>
+        <p:style>
+          <a:lnRef idx="2">
+            <a:schemeClr val="accent1">
+              <a:shade val="50000"/>
+            </a:schemeClr>
+          </a:lnRef>
+          <a:fillRef idx="1">
+            <a:schemeClr val="accent1"/>
+          </a:fillRef>
+          <a:effectRef idx="0">
+            <a:schemeClr val="accent1"/>
+          </a:effectRef>
+          <a:fontRef idx="minor">
+            <a:schemeClr val="lt1"/>
+          </a:fontRef>
+        </p:style>
+        <p:txBody>
+          <a:bodyPr/>
+          <a:lstStyle/>
+          <a:p>
+            <a:endParaRPr lang="ko-KR" altLang="en-US"/>
+          </a:p>
+        </p:txBody>
+      </p:sp>
+      <p:sp>
+        <p:nvSpPr>
+          <p:cNvPr id="15" name="Rectangle 14">
+            <a:extLst>
+              <a:ext uri="{FF2B5EF4-FFF2-40B4-BE49-F238E27FC236}">
+                <a16:creationId xmlns:a16="http://schemas.microsoft.com/office/drawing/2014/main" id="{9CCE7D60-361C-425C-BBC0-DE906C069D06}"/>
+              </a:ext>
+              <a:ext uri="{C183D7F6-B498-43B3-948B-1728B52AA6E4}">
+                <adec:decorative xmlns:adec="http://schemas.microsoft.com/office/drawing/2017/decorative" val="1"/>
+              </a:ext>
+            </a:extLst>
+          </p:cNvPr>
+          <p:cNvSpPr>
+            <a:spLocks noGrp="1" noRot="1" noChangeAspect="1" noMove="1" noResize="1" noEditPoints="1" noAdjustHandles="1" noChangeArrowheads="1" noChangeShapeType="1" noTextEdit="1"/>
+          </p:cNvSpPr>
+          <p:nvPr>
+            <p:extLst>
+              <p:ext uri="{386F3935-93C4-4BCD-93E2-E3B085C9AB24}">
+                <p16:designElem xmlns:p16="http://schemas.microsoft.com/office/powerpoint/2015/main" val="1"/>
+              </p:ext>
+            </p:extLst>
+          </p:nvPr>
+        </p:nvSpPr>
+        <p:spPr>
+          <a:xfrm>
+            <a:off x="4992748" y="744836"/>
+            <a:ext cx="2079069" cy="2344272"/>
+          </a:xfrm>
+          <a:prstGeom prst="rect">
+            <a:avLst/>
+          </a:prstGeom>
+          <a:solidFill>
+            <a:schemeClr val="accent1"/>
+          </a:solidFill>
+          <a:ln>
+            <a:noFill/>
+          </a:ln>
+        </p:spPr>
+        <p:style>
+          <a:lnRef idx="2">
+            <a:schemeClr val="accent1">
+              <a:shade val="50000"/>
+            </a:schemeClr>
+          </a:lnRef>
+          <a:fillRef idx="1">
+            <a:schemeClr val="accent1"/>
+          </a:fillRef>
+          <a:effectRef idx="0">
+            <a:schemeClr val="accent1"/>
+          </a:effectRef>
+          <a:fontRef idx="minor">
+            <a:schemeClr val="lt1"/>
+          </a:fontRef>
+        </p:style>
+        <p:txBody>
+          <a:bodyPr rtlCol="0" anchor="ctr"/>
+          <a:lstStyle/>
+          <a:p>
+            <a:pPr algn="ctr"/>
+            <a:endParaRPr lang="en-US"/>
+          </a:p>
+        </p:txBody>
+      </p:sp>
+      <p:sp>
+        <p:nvSpPr>
+          <p:cNvPr id="17" name="Rectangle 16">
+            <a:extLst>
+              <a:ext uri="{FF2B5EF4-FFF2-40B4-BE49-F238E27FC236}">
+                <a16:creationId xmlns:a16="http://schemas.microsoft.com/office/drawing/2014/main" id="{F83F538E-BD48-4175-B531-31BEB1C57DC4}"/>
+              </a:ext>
+              <a:ext uri="{C183D7F6-B498-43B3-948B-1728B52AA6E4}">
+                <adec:decorative xmlns:adec="http://schemas.microsoft.com/office/drawing/2017/decorative" val="1"/>
+              </a:ext>
+            </a:extLst>
+          </p:cNvPr>
+          <p:cNvSpPr>
+            <a:spLocks noGrp="1" noRot="1" noChangeAspect="1" noMove="1" noResize="1" noEditPoints="1" noAdjustHandles="1" noChangeArrowheads="1" noChangeShapeType="1" noTextEdit="1"/>
+          </p:cNvSpPr>
+          <p:nvPr>
+            <p:extLst>
+              <p:ext uri="{386F3935-93C4-4BCD-93E2-E3B085C9AB24}">
+                <p16:designElem xmlns:p16="http://schemas.microsoft.com/office/powerpoint/2015/main" val="1"/>
+              </p:ext>
+            </p:extLst>
+          </p:nvPr>
+        </p:nvSpPr>
+        <p:spPr>
+          <a:xfrm>
+            <a:off x="721371" y="4066796"/>
+            <a:ext cx="2157385" cy="2061118"/>
+          </a:xfrm>
+          <a:prstGeom prst="rect">
+            <a:avLst/>
+          </a:prstGeom>
+          <a:solidFill>
+            <a:schemeClr val="bg2"/>
+          </a:solidFill>
+          <a:ln>
+            <a:noFill/>
+          </a:ln>
+        </p:spPr>
+        <p:style>
+          <a:lnRef idx="2">
+            <a:schemeClr val="accent1">
+              <a:shade val="50000"/>
+            </a:schemeClr>
+          </a:lnRef>
+          <a:fillRef idx="1">
+            <a:schemeClr val="accent1"/>
+          </a:fillRef>
+          <a:effectRef idx="0">
+            <a:schemeClr val="accent1"/>
+          </a:effectRef>
+          <a:fontRef idx="minor">
+            <a:schemeClr val="lt1"/>
+          </a:fontRef>
+        </p:style>
+        <p:txBody>
+          <a:bodyPr rtlCol="0" anchor="ctr"/>
+          <a:lstStyle/>
+          <a:p>
+            <a:pPr algn="ctr"/>
+            <a:endParaRPr lang="en-US"/>
+          </a:p>
+        </p:txBody>
+      </p:sp>
+      <p:sp>
+        <p:nvSpPr>
           <p:cNvPr id="4" name="내용 개체 틀 2">
             <a:extLst>
               <a:ext uri="{FF2B5EF4-FFF2-40B4-BE49-F238E27FC236}">
@@ -4244,22 +6930,205 @@
         </p:nvSpPr>
         <p:spPr>
           <a:xfrm>
-            <a:off x="746620" y="696286"/>
-            <a:ext cx="10269251" cy="5399714"/>
-          </a:xfrm>
-        </p:spPr>
-        <p:txBody>
-          <a:bodyPr/>
-          <a:lstStyle/>
-          <a:p>
-            <a:endParaRPr lang="ko-KR" altLang="en-US" dirty="0"/>
-          </a:p>
-        </p:txBody>
-      </p:sp>
+            <a:off x="7438971" y="1669427"/>
+            <a:ext cx="3912583" cy="3161093"/>
+          </a:xfrm>
+        </p:spPr>
+        <p:txBody>
+          <a:bodyPr>
+            <a:normAutofit/>
+          </a:bodyPr>
+          <a:lstStyle/>
+          <a:p>
+            <a:pPr>
+              <a:lnSpc>
+                <a:spcPct val="150000"/>
+              </a:lnSpc>
+            </a:pPr>
+            <a:r>
+              <a:rPr lang="ko-KR" altLang="en-US" sz="1800" dirty="0"/>
+              <a:t>새 데이터베이스 만들기를 실행하면 데이터베이스의 이름과 경로를 지정하는 창이 나옵니다</a:t>
+            </a:r>
+            <a:r>
+              <a:rPr lang="en-US" altLang="ko-KR" sz="1800" dirty="0"/>
+              <a:t>. </a:t>
+            </a:r>
+            <a:r>
+              <a:rPr lang="ko-KR" altLang="en-US" sz="1800" dirty="0"/>
+              <a:t>경로는 유니티 프로젝트의 </a:t>
+            </a:r>
+            <a:r>
+              <a:rPr lang="en-US" altLang="ko-KR" sz="1800" dirty="0"/>
+              <a:t>Assets – </a:t>
+            </a:r>
+            <a:r>
+              <a:rPr lang="en-US" altLang="ko-KR" sz="1800" dirty="0" err="1"/>
+              <a:t>streamingAssets</a:t>
+            </a:r>
+            <a:r>
+              <a:rPr lang="en-US" altLang="ko-KR" sz="1800" dirty="0"/>
+              <a:t> </a:t>
+            </a:r>
+            <a:r>
+              <a:rPr lang="ko-KR" altLang="en-US" sz="1800" dirty="0"/>
+              <a:t>에 저장합니다</a:t>
+            </a:r>
+            <a:r>
+              <a:rPr lang="en-US" altLang="ko-KR" sz="1800" dirty="0"/>
+              <a:t>.</a:t>
+            </a:r>
+          </a:p>
+          <a:p>
+            <a:pPr>
+              <a:lnSpc>
+                <a:spcPct val="150000"/>
+              </a:lnSpc>
+            </a:pPr>
+            <a:r>
+              <a:rPr lang="ko-KR" altLang="en-US" sz="1800" dirty="0"/>
+              <a:t>테이블 생성은 </a:t>
+            </a:r>
+            <a:r>
+              <a:rPr lang="en-US" altLang="ko-KR" sz="1800" dirty="0"/>
+              <a:t>CSV </a:t>
+            </a:r>
+            <a:r>
+              <a:rPr lang="ko-KR" altLang="en-US" sz="1800" dirty="0"/>
+              <a:t>파일을 </a:t>
+            </a:r>
+            <a:r>
+              <a:rPr lang="en-US" altLang="ko-KR" sz="1800" dirty="0"/>
+              <a:t>import </a:t>
+            </a:r>
+            <a:r>
+              <a:rPr lang="ko-KR" altLang="en-US" sz="1800" dirty="0"/>
+              <a:t>할 것이므로 생략합니다</a:t>
+            </a:r>
+            <a:r>
+              <a:rPr lang="en-US" altLang="ko-KR" sz="1800" dirty="0"/>
+              <a:t>.</a:t>
+            </a:r>
+            <a:endParaRPr lang="ko-KR" altLang="en-US" sz="1800" dirty="0"/>
+          </a:p>
+        </p:txBody>
+      </p:sp>
+      <p:pic>
+        <p:nvPicPr>
+          <p:cNvPr id="3" name="그림 2">
+            <a:extLst>
+              <a:ext uri="{FF2B5EF4-FFF2-40B4-BE49-F238E27FC236}">
+                <a16:creationId xmlns:a16="http://schemas.microsoft.com/office/drawing/2014/main" id="{5532EC9D-8AA8-91CC-3D29-84D8363F788F}"/>
+              </a:ext>
+            </a:extLst>
+          </p:cNvPr>
+          <p:cNvPicPr>
+            <a:picLocks noChangeAspect="1"/>
+          </p:cNvPicPr>
+          <p:nvPr/>
+        </p:nvPicPr>
+        <p:blipFill rotWithShape="1">
+          <a:blip r:embed="rId2"/>
+          <a:srcRect t="216" r="26546"/>
+          <a:stretch/>
+        </p:blipFill>
+        <p:spPr>
+          <a:xfrm>
+            <a:off x="721371" y="744836"/>
+            <a:ext cx="4120595" cy="3163901"/>
+          </a:xfrm>
+          <a:prstGeom prst="corner">
+            <a:avLst>
+              <a:gd name="adj1" fmla="val 35675"/>
+              <a:gd name="adj2" fmla="val 177305"/>
+            </a:avLst>
+          </a:prstGeom>
+        </p:spPr>
+      </p:pic>
+      <p:sp>
+        <p:nvSpPr>
+          <p:cNvPr id="5" name="직사각형 4">
+            <a:extLst>
+              <a:ext uri="{FF2B5EF4-FFF2-40B4-BE49-F238E27FC236}">
+                <a16:creationId xmlns:a16="http://schemas.microsoft.com/office/drawing/2014/main" id="{F023A725-D6BB-2A99-A6AD-B20FF3FD8BFC}"/>
+              </a:ext>
+            </a:extLst>
+          </p:cNvPr>
+          <p:cNvSpPr/>
+          <p:nvPr/>
+        </p:nvSpPr>
+        <p:spPr>
+          <a:xfrm>
+            <a:off x="2878755" y="3089107"/>
+            <a:ext cx="4193061" cy="819629"/>
+          </a:xfrm>
+          <a:prstGeom prst="rect">
+            <a:avLst/>
+          </a:prstGeom>
+          <a:solidFill>
+            <a:schemeClr val="bg1"/>
+          </a:solidFill>
+          <a:ln>
+            <a:noFill/>
+          </a:ln>
+        </p:spPr>
+        <p:style>
+          <a:lnRef idx="2">
+            <a:schemeClr val="accent1">
+              <a:shade val="15000"/>
+            </a:schemeClr>
+          </a:lnRef>
+          <a:fillRef idx="1">
+            <a:schemeClr val="accent1"/>
+          </a:fillRef>
+          <a:effectRef idx="0">
+            <a:schemeClr val="accent1"/>
+          </a:effectRef>
+          <a:fontRef idx="minor">
+            <a:schemeClr val="lt1"/>
+          </a:fontRef>
+        </p:style>
+        <p:txBody>
+          <a:bodyPr rtlCol="0" anchor="ctr"/>
+          <a:lstStyle/>
+          <a:p>
+            <a:pPr algn="ctr"/>
+            <a:endParaRPr lang="ko-KR" altLang="en-US"/>
+          </a:p>
+        </p:txBody>
+      </p:sp>
+      <p:pic>
+        <p:nvPicPr>
+          <p:cNvPr id="6" name="그림 5">
+            <a:extLst>
+              <a:ext uri="{FF2B5EF4-FFF2-40B4-BE49-F238E27FC236}">
+                <a16:creationId xmlns:a16="http://schemas.microsoft.com/office/drawing/2014/main" id="{D2CE890D-A69F-CF37-3F67-D173D437E0ED}"/>
+              </a:ext>
+            </a:extLst>
+          </p:cNvPr>
+          <p:cNvPicPr>
+            <a:picLocks noChangeAspect="1"/>
+          </p:cNvPicPr>
+          <p:nvPr/>
+        </p:nvPicPr>
+        <p:blipFill rotWithShape="1">
+          <a:blip r:embed="rId3"/>
+          <a:srcRect t="10890" r="5" b="11433"/>
+          <a:stretch/>
+        </p:blipFill>
+        <p:spPr>
+          <a:xfrm>
+            <a:off x="3044815" y="3249974"/>
+            <a:ext cx="4027002" cy="2877940"/>
+          </a:xfrm>
+          <a:prstGeom prst="rect">
+            <a:avLst/>
+          </a:prstGeom>
+        </p:spPr>
+      </p:pic>
     </p:spTree>
     <p:extLst>
       <p:ext uri="{BB962C8B-B14F-4D97-AF65-F5344CB8AC3E}">
-        <p14:creationId xmlns:p14="http://schemas.microsoft.com/office/powerpoint/2010/main" val="1663307196"/>
+        <p14:creationId xmlns:p14="http://schemas.microsoft.com/office/powerpoint/2010/main" val="2123512740"/>
       </p:ext>
     </p:extLst>
   </p:cSld>
@@ -4272,6 +7141,14 @@
 <file path=ppt/slides/slide8.xml><?xml version="1.0" encoding="utf-8"?>
 <p:sld xmlns:a="http://schemas.openxmlformats.org/drawingml/2006/main" xmlns:r="http://schemas.openxmlformats.org/officeDocument/2006/relationships" xmlns:p="http://schemas.openxmlformats.org/presentationml/2006/main">
   <p:cSld>
+    <p:bg>
+      <p:bgPr>
+        <a:solidFill>
+          <a:schemeClr val="accent1"/>
+        </a:solidFill>
+        <a:effectLst/>
+      </p:bgPr>
+    </p:bg>
     <p:spTree>
       <p:nvGrpSpPr>
         <p:cNvPr id="1" name=""/>
@@ -4304,22 +7181,568 @@
         </p:nvSpPr>
         <p:spPr>
           <a:xfrm>
-            <a:off x="746620" y="696286"/>
-            <a:ext cx="10269251" cy="5399714"/>
-          </a:xfrm>
-        </p:spPr>
-        <p:txBody>
-          <a:bodyPr/>
-          <a:lstStyle/>
-          <a:p>
+            <a:off x="849880" y="721410"/>
+            <a:ext cx="6693061" cy="4038600"/>
+          </a:xfrm>
+        </p:spPr>
+        <p:txBody>
+          <a:bodyPr>
+            <a:normAutofit/>
+          </a:bodyPr>
+          <a:lstStyle/>
+          <a:p>
+            <a:r>
+              <a:rPr lang="ko-KR" altLang="en-US" dirty="0"/>
+              <a:t>파일 </a:t>
+            </a:r>
+            <a:r>
+              <a:rPr lang="en-US" altLang="ko-KR" dirty="0"/>
+              <a:t>– </a:t>
+            </a:r>
+            <a:r>
+              <a:rPr lang="ko-KR" altLang="en-US" dirty="0"/>
+              <a:t>가져오기 </a:t>
+            </a:r>
+            <a:r>
+              <a:rPr lang="en-US" altLang="ko-KR" dirty="0"/>
+              <a:t>– CSV </a:t>
+            </a:r>
+            <a:r>
+              <a:rPr lang="ko-KR" altLang="en-US" dirty="0"/>
+              <a:t>파일에서 테이블 가져오기를 실행하여 </a:t>
+            </a:r>
+            <a:r>
+              <a:rPr lang="en-US" altLang="ko-KR" dirty="0"/>
+              <a:t>CSV</a:t>
+            </a:r>
+            <a:r>
+              <a:rPr lang="ko-KR" altLang="en-US" dirty="0"/>
+              <a:t> 파일을 </a:t>
+            </a:r>
+            <a:r>
+              <a:rPr lang="en-US" altLang="ko-KR" dirty="0"/>
+              <a:t>import </a:t>
+            </a:r>
+            <a:r>
+              <a:rPr lang="ko-KR" altLang="en-US" dirty="0"/>
+              <a:t>합니다</a:t>
+            </a:r>
+            <a:r>
+              <a:rPr lang="en-US" altLang="ko-KR" dirty="0"/>
+              <a:t>.</a:t>
+            </a:r>
+          </a:p>
+          <a:p>
+            <a:r>
+              <a:rPr lang="ko-KR" altLang="en-US" dirty="0"/>
+              <a:t>만약 한글이 </a:t>
+            </a:r>
+            <a:r>
+              <a:rPr lang="ko-KR" altLang="en-US" dirty="0" err="1"/>
+              <a:t>깨져있다면</a:t>
+            </a:r>
+            <a:r>
+              <a:rPr lang="ko-KR" altLang="en-US" dirty="0"/>
+              <a:t> </a:t>
+            </a:r>
+            <a:r>
+              <a:rPr lang="en-US" altLang="ko-KR" dirty="0"/>
+              <a:t>CSV</a:t>
+            </a:r>
+            <a:r>
+              <a:rPr lang="ko-KR" altLang="en-US" dirty="0"/>
+              <a:t>파일의 인코딩을 수정해야 합니다</a:t>
+            </a:r>
+            <a:r>
+              <a:rPr lang="en-US" altLang="ko-KR" dirty="0"/>
+              <a:t>.</a:t>
+            </a:r>
             <a:endParaRPr lang="ko-KR" altLang="en-US" dirty="0"/>
+          </a:p>
+        </p:txBody>
+      </p:sp>
+      <p:pic>
+        <p:nvPicPr>
+          <p:cNvPr id="3" name="그림 2">
+            <a:extLst>
+              <a:ext uri="{FF2B5EF4-FFF2-40B4-BE49-F238E27FC236}">
+                <a16:creationId xmlns:a16="http://schemas.microsoft.com/office/drawing/2014/main" id="{75A3272D-3C16-9E9C-CF17-6EF867F3114B}"/>
+              </a:ext>
+            </a:extLst>
+          </p:cNvPr>
+          <p:cNvPicPr>
+            <a:picLocks noChangeAspect="1"/>
+          </p:cNvPicPr>
+          <p:nvPr/>
+        </p:nvPicPr>
+        <p:blipFill>
+          <a:blip r:embed="rId2"/>
+          <a:stretch>
+            <a:fillRect/>
+          </a:stretch>
+        </p:blipFill>
+        <p:spPr>
+          <a:xfrm>
+            <a:off x="983552" y="2594602"/>
+            <a:ext cx="8693496" cy="3586065"/>
+          </a:xfrm>
+          <a:prstGeom prst="corner">
+            <a:avLst>
+              <a:gd name="adj1" fmla="val 50000"/>
+              <a:gd name="adj2" fmla="val 177494"/>
+            </a:avLst>
+          </a:prstGeom>
+        </p:spPr>
+      </p:pic>
+      <p:pic>
+        <p:nvPicPr>
+          <p:cNvPr id="6" name="그림 5">
+            <a:extLst>
+              <a:ext uri="{FF2B5EF4-FFF2-40B4-BE49-F238E27FC236}">
+                <a16:creationId xmlns:a16="http://schemas.microsoft.com/office/drawing/2014/main" id="{13793AEB-3BD6-C113-8640-940EC0D19FCA}"/>
+              </a:ext>
+            </a:extLst>
+          </p:cNvPr>
+          <p:cNvPicPr>
+            <a:picLocks noChangeAspect="1"/>
+          </p:cNvPicPr>
+          <p:nvPr/>
+        </p:nvPicPr>
+        <p:blipFill>
+          <a:blip r:embed="rId3"/>
+          <a:stretch>
+            <a:fillRect/>
+          </a:stretch>
+        </p:blipFill>
+        <p:spPr>
+          <a:xfrm>
+            <a:off x="7427347" y="599650"/>
+            <a:ext cx="4188682" cy="3741431"/>
+          </a:xfrm>
+          <a:prstGeom prst="rect">
+            <a:avLst/>
+          </a:prstGeom>
+        </p:spPr>
+      </p:pic>
+      <p:sp>
+        <p:nvSpPr>
+          <p:cNvPr id="7" name="직사각형 6">
+            <a:extLst>
+              <a:ext uri="{FF2B5EF4-FFF2-40B4-BE49-F238E27FC236}">
+                <a16:creationId xmlns:a16="http://schemas.microsoft.com/office/drawing/2014/main" id="{9FBD0B2C-63F8-7E8C-4D52-DBBC3BC892D5}"/>
+              </a:ext>
+            </a:extLst>
+          </p:cNvPr>
+          <p:cNvSpPr/>
+          <p:nvPr/>
+        </p:nvSpPr>
+        <p:spPr>
+          <a:xfrm>
+            <a:off x="9719469" y="4387634"/>
+            <a:ext cx="1896560" cy="1794934"/>
+          </a:xfrm>
+          <a:prstGeom prst="rect">
+            <a:avLst/>
+          </a:prstGeom>
+          <a:ln>
+            <a:noFill/>
+          </a:ln>
+        </p:spPr>
+        <p:style>
+          <a:lnRef idx="2">
+            <a:schemeClr val="accent1">
+              <a:shade val="15000"/>
+            </a:schemeClr>
+          </a:lnRef>
+          <a:fillRef idx="1">
+            <a:schemeClr val="accent1"/>
+          </a:fillRef>
+          <a:effectRef idx="0">
+            <a:schemeClr val="accent1"/>
+          </a:effectRef>
+          <a:fontRef idx="minor">
+            <a:schemeClr val="lt1"/>
+          </a:fontRef>
+        </p:style>
+        <p:txBody>
+          <a:bodyPr rtlCol="0" anchor="ctr"/>
+          <a:lstStyle/>
+          <a:p>
+            <a:pPr algn="ctr"/>
+            <a:endParaRPr lang="ko-KR" altLang="en-US"/>
           </a:p>
         </p:txBody>
       </p:sp>
     </p:spTree>
     <p:extLst>
       <p:ext uri="{BB962C8B-B14F-4D97-AF65-F5344CB8AC3E}">
-        <p14:creationId xmlns:p14="http://schemas.microsoft.com/office/powerpoint/2010/main" val="2123512740"/>
+        <p14:creationId xmlns:p14="http://schemas.microsoft.com/office/powerpoint/2010/main" val="20860794"/>
+      </p:ext>
+    </p:extLst>
+  </p:cSld>
+  <p:clrMapOvr>
+    <a:masterClrMapping/>
+  </p:clrMapOvr>
+</p:sld>
+</file>
+
+<file path=ppt/slides/slide9.xml><?xml version="1.0" encoding="utf-8"?>
+<p:sld xmlns:a="http://schemas.openxmlformats.org/drawingml/2006/main" xmlns:r="http://schemas.openxmlformats.org/officeDocument/2006/relationships" xmlns:p="http://schemas.openxmlformats.org/presentationml/2006/main">
+  <p:cSld>
+    <p:bg>
+      <p:bgPr>
+        <a:solidFill>
+          <a:schemeClr val="accent1"/>
+        </a:solidFill>
+        <a:effectLst/>
+      </p:bgPr>
+    </p:bg>
+    <p:spTree>
+      <p:nvGrpSpPr>
+        <p:cNvPr id="1" name=""/>
+        <p:cNvGrpSpPr/>
+        <p:nvPr/>
+      </p:nvGrpSpPr>
+      <p:grpSpPr>
+        <a:xfrm>
+          <a:off x="0" y="0"/>
+          <a:ext cx="0" cy="0"/>
+          <a:chOff x="0" y="0"/>
+          <a:chExt cx="0" cy="0"/>
+        </a:xfrm>
+      </p:grpSpPr>
+      <p:sp>
+        <p:nvSpPr>
+          <p:cNvPr id="25" name="Rectangle 10">
+            <a:extLst>
+              <a:ext uri="{FF2B5EF4-FFF2-40B4-BE49-F238E27FC236}">
+                <a16:creationId xmlns:a16="http://schemas.microsoft.com/office/drawing/2014/main" id="{CC4AC7C4-D5CE-4603-98D5-CCABE64C18B5}"/>
+              </a:ext>
+              <a:ext uri="{C183D7F6-B498-43B3-948B-1728B52AA6E4}">
+                <adec:decorative xmlns:adec="http://schemas.microsoft.com/office/drawing/2017/decorative" val="1"/>
+              </a:ext>
+            </a:extLst>
+          </p:cNvPr>
+          <p:cNvSpPr>
+            <a:spLocks noGrp="1" noRot="1" noChangeAspect="1" noMove="1" noResize="1" noEditPoints="1" noAdjustHandles="1" noChangeArrowheads="1" noChangeShapeType="1" noTextEdit="1"/>
+          </p:cNvSpPr>
+          <p:nvPr>
+            <p:extLst>
+              <p:ext uri="{386F3935-93C4-4BCD-93E2-E3B085C9AB24}">
+                <p16:designElem xmlns:p16="http://schemas.microsoft.com/office/powerpoint/2015/main" val="1"/>
+              </p:ext>
+            </p:extLst>
+          </p:nvPr>
+        </p:nvSpPr>
+        <p:spPr>
+          <a:xfrm>
+            <a:off x="231140" y="243840"/>
+            <a:ext cx="11724640" cy="6377939"/>
+          </a:xfrm>
+          <a:prstGeom prst="rect">
+            <a:avLst/>
+          </a:prstGeom>
+          <a:solidFill>
+            <a:schemeClr val="accent1"/>
+          </a:solidFill>
+          <a:ln w="12700">
+            <a:solidFill>
+              <a:srgbClr val="FFFFFF"/>
+            </a:solidFill>
+          </a:ln>
+        </p:spPr>
+        <p:style>
+          <a:lnRef idx="2">
+            <a:schemeClr val="accent1">
+              <a:shade val="50000"/>
+            </a:schemeClr>
+          </a:lnRef>
+          <a:fillRef idx="1">
+            <a:schemeClr val="accent1"/>
+          </a:fillRef>
+          <a:effectRef idx="0">
+            <a:schemeClr val="accent1"/>
+          </a:effectRef>
+          <a:fontRef idx="minor">
+            <a:schemeClr val="lt1"/>
+          </a:fontRef>
+        </p:style>
+        <p:txBody>
+          <a:bodyPr/>
+          <a:lstStyle/>
+          <a:p>
+            <a:endParaRPr lang="ko-KR" altLang="en-US"/>
+          </a:p>
+        </p:txBody>
+      </p:sp>
+      <p:pic>
+        <p:nvPicPr>
+          <p:cNvPr id="6" name="그림 5" descr="텍스트, 스크린샷, 번호, 폰트이(가) 표시된 사진&#10;&#10;자동 생성된 설명">
+            <a:extLst>
+              <a:ext uri="{FF2B5EF4-FFF2-40B4-BE49-F238E27FC236}">
+                <a16:creationId xmlns:a16="http://schemas.microsoft.com/office/drawing/2014/main" id="{6B04F641-EB2A-0E4C-D30E-A83CCED6F171}"/>
+              </a:ext>
+            </a:extLst>
+          </p:cNvPr>
+          <p:cNvPicPr>
+            <a:picLocks noChangeAspect="1"/>
+          </p:cNvPicPr>
+          <p:nvPr/>
+        </p:nvPicPr>
+        <p:blipFill rotWithShape="1">
+          <a:blip r:embed="rId2"/>
+          <a:srcRect r="20135"/>
+          <a:stretch/>
+        </p:blipFill>
+        <p:spPr>
+          <a:xfrm>
+            <a:off x="237744" y="243840"/>
+            <a:ext cx="3648456" cy="2528857"/>
+          </a:xfrm>
+          <a:prstGeom prst="rect">
+            <a:avLst/>
+          </a:prstGeom>
+        </p:spPr>
+      </p:pic>
+      <p:pic>
+        <p:nvPicPr>
+          <p:cNvPr id="3" name="그림 2" descr="텍스트, 스크린샷이(가) 표시된 사진&#10;&#10;자동 생성된 설명">
+            <a:extLst>
+              <a:ext uri="{FF2B5EF4-FFF2-40B4-BE49-F238E27FC236}">
+                <a16:creationId xmlns:a16="http://schemas.microsoft.com/office/drawing/2014/main" id="{4DA6C185-12E1-08E4-73E2-CD34A33C68B4}"/>
+              </a:ext>
+            </a:extLst>
+          </p:cNvPr>
+          <p:cNvPicPr>
+            <a:picLocks noChangeAspect="1"/>
+          </p:cNvPicPr>
+          <p:nvPr/>
+        </p:nvPicPr>
+        <p:blipFill rotWithShape="1">
+          <a:blip r:embed="rId3"/>
+          <a:srcRect r="61427" b="2"/>
+          <a:stretch/>
+        </p:blipFill>
+        <p:spPr>
+          <a:xfrm>
+            <a:off x="232861" y="2772697"/>
+            <a:ext cx="3646837" cy="3849083"/>
+          </a:xfrm>
+          <a:prstGeom prst="rect">
+            <a:avLst/>
+          </a:prstGeom>
+        </p:spPr>
+      </p:pic>
+      <p:sp>
+        <p:nvSpPr>
+          <p:cNvPr id="4" name="내용 개체 틀 2">
+            <a:extLst>
+              <a:ext uri="{FF2B5EF4-FFF2-40B4-BE49-F238E27FC236}">
+                <a16:creationId xmlns:a16="http://schemas.microsoft.com/office/drawing/2014/main" id="{970A10C5-73BA-EB58-23FA-46D8E79C00CC}"/>
+              </a:ext>
+            </a:extLst>
+          </p:cNvPr>
+          <p:cNvSpPr>
+            <a:spLocks noGrp="1"/>
+          </p:cNvSpPr>
+          <p:nvPr>
+            <p:ph idx="1"/>
+          </p:nvPr>
+        </p:nvSpPr>
+        <p:spPr>
+          <a:xfrm>
+            <a:off x="4381653" y="2168381"/>
+            <a:ext cx="6693061" cy="2528857"/>
+          </a:xfrm>
+        </p:spPr>
+        <p:txBody>
+          <a:bodyPr>
+            <a:normAutofit/>
+          </a:bodyPr>
+          <a:lstStyle/>
+          <a:p>
+            <a:pPr>
+              <a:lnSpc>
+                <a:spcPct val="150000"/>
+              </a:lnSpc>
+            </a:pPr>
+            <a:r>
+              <a:rPr lang="ko-KR" altLang="en-US" dirty="0">
+                <a:solidFill>
+                  <a:schemeClr val="bg1"/>
+                </a:solidFill>
+              </a:rPr>
+              <a:t>▶ 해당 </a:t>
+            </a:r>
+            <a:r>
+              <a:rPr lang="en-US" altLang="ko-KR" dirty="0">
+                <a:solidFill>
+                  <a:schemeClr val="bg1"/>
+                </a:solidFill>
+              </a:rPr>
+              <a:t>CSV </a:t>
+            </a:r>
+            <a:r>
+              <a:rPr lang="ko-KR" altLang="en-US" dirty="0">
+                <a:solidFill>
+                  <a:schemeClr val="bg1"/>
+                </a:solidFill>
+              </a:rPr>
+              <a:t>파일을 메모장으로 열어서 </a:t>
+            </a:r>
+            <a:r>
+              <a:rPr lang="en-US" altLang="ko-KR" dirty="0">
+                <a:solidFill>
+                  <a:schemeClr val="bg1"/>
+                </a:solidFill>
+              </a:rPr>
+              <a:t>Ctrl + Shift + S</a:t>
+            </a:r>
+            <a:r>
+              <a:rPr lang="ko-KR" altLang="en-US" dirty="0">
+                <a:solidFill>
+                  <a:schemeClr val="bg1"/>
+                </a:solidFill>
+              </a:rPr>
+              <a:t>를 눌러 다른 이름으로 저장하기 창을 열어서 인코딩을 </a:t>
+            </a:r>
+            <a:r>
+              <a:rPr lang="en-US" altLang="ko-KR" dirty="0">
+                <a:solidFill>
+                  <a:schemeClr val="bg1"/>
+                </a:solidFill>
+              </a:rPr>
+              <a:t>ANSI </a:t>
+            </a:r>
+            <a:r>
+              <a:rPr lang="ko-KR" altLang="en-US" dirty="0">
+                <a:solidFill>
+                  <a:schemeClr val="bg1"/>
+                </a:solidFill>
+              </a:rPr>
+              <a:t>에서 </a:t>
+            </a:r>
+            <a:r>
+              <a:rPr lang="en-US" altLang="ko-KR" dirty="0">
+                <a:solidFill>
+                  <a:schemeClr val="bg1"/>
+                </a:solidFill>
+              </a:rPr>
+              <a:t>UTF-8</a:t>
+            </a:r>
+            <a:r>
+              <a:rPr lang="ko-KR" altLang="en-US" dirty="0">
+                <a:solidFill>
+                  <a:schemeClr val="bg1"/>
+                </a:solidFill>
+              </a:rPr>
+              <a:t>로 변경합니다</a:t>
+            </a:r>
+            <a:r>
+              <a:rPr lang="en-US" altLang="ko-KR" dirty="0">
+                <a:solidFill>
+                  <a:schemeClr val="bg1"/>
+                </a:solidFill>
+              </a:rPr>
+              <a:t>.</a:t>
+            </a:r>
+          </a:p>
+          <a:p>
+            <a:pPr>
+              <a:lnSpc>
+                <a:spcPct val="150000"/>
+              </a:lnSpc>
+            </a:pPr>
+            <a:r>
+              <a:rPr lang="ko-KR" altLang="en-US" dirty="0">
+                <a:solidFill>
+                  <a:schemeClr val="bg1"/>
+                </a:solidFill>
+              </a:rPr>
+              <a:t>▶ 한글이 정상적으로 나오는 것이 확인되었습니다</a:t>
+            </a:r>
+            <a:r>
+              <a:rPr lang="en-US" altLang="ko-KR" dirty="0">
+                <a:solidFill>
+                  <a:schemeClr val="bg1"/>
+                </a:solidFill>
+              </a:rPr>
+              <a:t>.</a:t>
+            </a:r>
+            <a:endParaRPr lang="ko-KR" altLang="en-US" dirty="0">
+              <a:solidFill>
+                <a:schemeClr val="bg1"/>
+              </a:solidFill>
+            </a:endParaRPr>
+          </a:p>
+        </p:txBody>
+      </p:sp>
+      <p:sp>
+        <p:nvSpPr>
+          <p:cNvPr id="26" name="Rectangle 12">
+            <a:extLst>
+              <a:ext uri="{FF2B5EF4-FFF2-40B4-BE49-F238E27FC236}">
+                <a16:creationId xmlns:a16="http://schemas.microsoft.com/office/drawing/2014/main" id="{78CF0775-27C9-4D32-A833-64CE4537F8D3}"/>
+              </a:ext>
+              <a:ext uri="{C183D7F6-B498-43B3-948B-1728B52AA6E4}">
+                <adec:decorative xmlns:adec="http://schemas.microsoft.com/office/drawing/2017/decorative" val="1"/>
+              </a:ext>
+            </a:extLst>
+          </p:cNvPr>
+          <p:cNvSpPr>
+            <a:spLocks noGrp="1" noRot="1" noChangeAspect="1" noMove="1" noResize="1" noEditPoints="1" noAdjustHandles="1" noChangeArrowheads="1" noChangeShapeType="1" noTextEdit="1"/>
+          </p:cNvSpPr>
+          <p:nvPr>
+            <p:extLst>
+              <p:ext uri="{386F3935-93C4-4BCD-93E2-E3B085C9AB24}">
+                <p16:designElem xmlns:p16="http://schemas.microsoft.com/office/powerpoint/2015/main" val="1"/>
+              </p:ext>
+            </p:extLst>
+          </p:nvPr>
+        </p:nvSpPr>
+        <p:spPr>
+          <a:xfrm>
+            <a:off x="228600" y="243840"/>
+            <a:ext cx="11724640" cy="6377939"/>
+          </a:xfrm>
+          <a:prstGeom prst="rect">
+            <a:avLst/>
+          </a:prstGeom>
+          <a:noFill/>
+          <a:ln w="12700">
+            <a:solidFill>
+              <a:schemeClr val="bg1"/>
+            </a:solidFill>
+          </a:ln>
+        </p:spPr>
+        <p:style>
+          <a:lnRef idx="2">
+            <a:schemeClr val="accent1">
+              <a:shade val="50000"/>
+            </a:schemeClr>
+          </a:lnRef>
+          <a:fillRef idx="1">
+            <a:schemeClr val="accent1"/>
+          </a:fillRef>
+          <a:effectRef idx="0">
+            <a:schemeClr val="accent1"/>
+          </a:effectRef>
+          <a:fontRef idx="minor">
+            <a:schemeClr val="lt1"/>
+          </a:fontRef>
+        </p:style>
+        <p:txBody>
+          <a:bodyPr/>
+          <a:lstStyle/>
+          <a:p>
+            <a:endParaRPr lang="ko-KR" altLang="en-US"/>
+          </a:p>
+        </p:txBody>
+      </p:sp>
+    </p:spTree>
+    <p:extLst>
+      <p:ext uri="{BB962C8B-B14F-4D97-AF65-F5344CB8AC3E}">
+        <p14:creationId xmlns:p14="http://schemas.microsoft.com/office/powerpoint/2010/main" val="402055894"/>
       </p:ext>
     </p:extLst>
   </p:cSld>

--- a/문서/Unity SQLite 연동 가이드.pptx
+++ b/문서/Unity SQLite 연동 가이드.pptx
@@ -4754,8 +4754,8 @@
         </p:blipFill>
         <p:spPr>
           <a:xfrm>
-            <a:off x="233661" y="229755"/>
-            <a:ext cx="4431645" cy="3805320"/>
+            <a:off x="233661" y="229754"/>
+            <a:ext cx="4650955" cy="3993635"/>
           </a:xfrm>
           <a:prstGeom prst="rect">
             <a:avLst/>
@@ -4778,13 +4778,13 @@
         </p:nvPicPr>
         <p:blipFill rotWithShape="1">
           <a:blip r:embed="rId3"/>
-          <a:srcRect t="3730" r="20675"/>
+          <a:srcRect t="3730" r="20675" b="11294"/>
           <a:stretch/>
         </p:blipFill>
         <p:spPr>
           <a:xfrm>
-            <a:off x="233660" y="4023424"/>
-            <a:ext cx="4431645" cy="2604821"/>
+            <a:off x="233660" y="4223389"/>
+            <a:ext cx="4650956" cy="2413005"/>
           </a:xfrm>
           <a:prstGeom prst="rect">
             <a:avLst/>
